--- a/docs/Sprint3/LAPR3 - Sprint 3 Status Report.pptx
+++ b/docs/Sprint3/LAPR3 - Sprint 3 Status Report.pptx
@@ -141,7 +141,7 @@
 <file path=ppt/charts/chart1.xml><?xml version="1.0" encoding="utf-8"?>
 <c:chartSpace xmlns:c="http://schemas.openxmlformats.org/drawingml/2006/chart" xmlns:a="http://schemas.openxmlformats.org/drawingml/2006/main" xmlns:r="http://schemas.openxmlformats.org/officeDocument/2006/relationships" xmlns:c16r2="http://schemas.microsoft.com/office/drawing/2015/06/chart">
   <c:date1904 val="0"/>
-  <c:lang val="pt-PT"/>
+  <c:lang val="en-US"/>
   <c:roundedCorners val="0"/>
   <mc:AlternateContent xmlns:mc="http://schemas.openxmlformats.org/markup-compatibility/2006">
     <mc:Choice xmlns:c14="http://schemas.microsoft.com/office/drawing/2007/8/2/chart" Requires="c14">
@@ -212,7 +212,7 @@
               <a:cs typeface="+mn-cs"/>
             </a:defRPr>
           </a:pPr>
-          <a:endParaRPr lang="en-US"/>
+          <a:endParaRPr lang="pt-PT"/>
         </a:p>
       </c:txPr>
     </c:title>
@@ -249,41 +249,29 @@
           <c:invertIfNegative val="0"/>
           <c:cat>
             <c:strRef>
-              <c:f>Folha1!$A$2:$A$5</c:f>
+              <c:f>Folha1!$A$2:$A$3</c:f>
               <c:strCache>
-                <c:ptCount val="4"/>
+                <c:ptCount val="2"/>
                 <c:pt idx="0">
                   <c:v>Diogo Dias - 1161605</c:v>
                 </c:pt>
                 <c:pt idx="1">
                   <c:v>Duarte Dias - 1190539</c:v>
                 </c:pt>
-                <c:pt idx="2">
-                  <c:v>Aluno 3</c:v>
-                </c:pt>
-                <c:pt idx="3">
-                  <c:v>Aluno 4</c:v>
-                </c:pt>
               </c:strCache>
             </c:strRef>
           </c:cat>
           <c:val>
             <c:numRef>
-              <c:f>Folha1!$B$2:$B$5</c:f>
+              <c:f>Folha1!$B$2:$B$3</c:f>
               <c:numCache>
                 <c:formatCode>General</c:formatCode>
-                <c:ptCount val="4"/>
+                <c:ptCount val="2"/>
                 <c:pt idx="0">
-                  <c:v>2</c:v>
+                  <c:v>2.5</c:v>
                 </c:pt>
                 <c:pt idx="1">
-                  <c:v>2.2000000000000002</c:v>
-                </c:pt>
-                <c:pt idx="2">
-                  <c:v>3.5</c:v>
-                </c:pt>
-                <c:pt idx="3">
-                  <c:v>4.5</c:v>
+                  <c:v>2</c:v>
                 </c:pt>
               </c:numCache>
             </c:numRef>
@@ -348,7 +336,7 @@
                 <a:cs typeface="+mn-cs"/>
               </a:defRPr>
             </a:pPr>
-            <a:endParaRPr lang="en-US"/>
+            <a:endParaRPr lang="pt-PT"/>
           </a:p>
         </c:txPr>
         <c:crossAx val="691902368"/>
@@ -407,7 +395,7 @@
                 <a:cs typeface="+mn-cs"/>
               </a:defRPr>
             </a:pPr>
-            <a:endParaRPr lang="en-US"/>
+            <a:endParaRPr lang="pt-PT"/>
           </a:p>
         </c:txPr>
         <c:crossAx val="691907944"/>
@@ -449,7 +437,7 @@
               <a:cs typeface="+mn-cs"/>
             </a:defRPr>
           </a:pPr>
-          <a:endParaRPr lang="en-US"/>
+          <a:endParaRPr lang="pt-PT"/>
         </a:p>
       </c:txPr>
     </c:legend>
@@ -478,7 +466,7 @@
       <a:pPr>
         <a:defRPr/>
       </a:pPr>
-      <a:endParaRPr lang="en-US"/>
+      <a:endParaRPr lang="pt-PT"/>
     </a:p>
   </c:txPr>
   <c:externalData r:id="rId3">
@@ -490,7 +478,7 @@
 <file path=ppt/charts/chart2.xml><?xml version="1.0" encoding="utf-8"?>
 <c:chartSpace xmlns:c="http://schemas.openxmlformats.org/drawingml/2006/chart" xmlns:a="http://schemas.openxmlformats.org/drawingml/2006/main" xmlns:r="http://schemas.openxmlformats.org/officeDocument/2006/relationships" xmlns:c16r2="http://schemas.microsoft.com/office/drawing/2015/06/chart">
   <c:date1904 val="0"/>
-  <c:lang val="pt-PT"/>
+  <c:lang val="en-US"/>
   <c:roundedCorners val="0"/>
   <mc:AlternateContent xmlns:mc="http://schemas.openxmlformats.org/markup-compatibility/2006">
     <mc:Choice xmlns:c14="http://schemas.microsoft.com/office/drawing/2007/8/2/chart" Requires="c14">
@@ -552,7 +540,7 @@
               <a:cs typeface="+mn-cs"/>
             </a:defRPr>
           </a:pPr>
-          <a:endParaRPr lang="en-US"/>
+          <a:endParaRPr lang="pt-PT"/>
         </a:p>
       </c:txPr>
     </c:title>
@@ -731,7 +719,7 @@
                       <a:cs typeface="+mn-cs"/>
                     </a:defRPr>
                   </a:pPr>
-                  <a:endParaRPr lang="en-US"/>
+                  <a:endParaRPr lang="pt-PT"/>
                 </a:p>
               </c:txPr>
               <c:dLblPos val="outEnd"/>
@@ -774,7 +762,7 @@
                       <a:cs typeface="+mn-cs"/>
                     </a:defRPr>
                   </a:pPr>
-                  <a:endParaRPr lang="en-US"/>
+                  <a:endParaRPr lang="pt-PT"/>
                 </a:p>
               </c:txPr>
               <c:dLblPos val="outEnd"/>
@@ -815,7 +803,7 @@
                       <a:cs typeface="+mn-cs"/>
                     </a:defRPr>
                   </a:pPr>
-                  <a:endParaRPr lang="en-US"/>
+                  <a:endParaRPr lang="pt-PT"/>
                 </a:p>
               </c:txPr>
               <c:dLblPos val="outEnd"/>
@@ -858,7 +846,7 @@
                       <a:cs typeface="+mn-cs"/>
                     </a:defRPr>
                   </a:pPr>
-                  <a:endParaRPr lang="en-US"/>
+                  <a:endParaRPr lang="pt-PT"/>
                 </a:p>
               </c:txPr>
               <c:dLblPos val="outEnd"/>
@@ -901,7 +889,7 @@
                       <a:cs typeface="+mn-cs"/>
                     </a:defRPr>
                   </a:pPr>
-                  <a:endParaRPr lang="en-US"/>
+                  <a:endParaRPr lang="pt-PT"/>
                 </a:p>
               </c:txPr>
               <c:dLblPos val="outEnd"/>
@@ -917,6 +905,13 @@
                 </c:ext>
               </c:extLst>
             </c:dLbl>
+            <c:spPr>
+              <a:noFill/>
+              <a:ln>
+                <a:noFill/>
+              </a:ln>
+              <a:effectLst/>
+            </c:spPr>
             <c:dLblPos val="outEnd"/>
             <c:showLegendKey val="0"/>
             <c:showVal val="0"/>
@@ -1041,7 +1036,7 @@
       <a:pPr>
         <a:defRPr/>
       </a:pPr>
-      <a:endParaRPr lang="en-US"/>
+      <a:endParaRPr lang="pt-PT"/>
     </a:p>
   </c:txPr>
   <c:externalData r:id="rId3">
@@ -1053,7 +1048,7 @@
 <file path=ppt/charts/chart3.xml><?xml version="1.0" encoding="utf-8"?>
 <c:chartSpace xmlns:c="http://schemas.openxmlformats.org/drawingml/2006/chart" xmlns:a="http://schemas.openxmlformats.org/drawingml/2006/main" xmlns:r="http://schemas.openxmlformats.org/officeDocument/2006/relationships" xmlns:c16r2="http://schemas.microsoft.com/office/drawing/2015/06/chart">
   <c:date1904 val="0"/>
-  <c:lang val="pt-PT"/>
+  <c:lang val="en-US"/>
   <c:roundedCorners val="0"/>
   <mc:AlternateContent xmlns:mc="http://schemas.openxmlformats.org/markup-compatibility/2006">
     <mc:Choice xmlns:c14="http://schemas.microsoft.com/office/drawing/2007/8/2/chart" Requires="c14">
@@ -1120,7 +1115,7 @@
               <a:cs typeface="+mn-cs"/>
             </a:defRPr>
           </a:pPr>
-          <a:endParaRPr lang="en-US"/>
+          <a:endParaRPr lang="pt-PT"/>
         </a:p>
       </c:txPr>
     </c:title>
@@ -1257,7 +1252,7 @@
                 <a:cs typeface="+mn-cs"/>
               </a:defRPr>
             </a:pPr>
-            <a:endParaRPr lang="en-US"/>
+            <a:endParaRPr lang="pt-PT"/>
           </a:p>
         </c:txPr>
         <c:crossAx val="634090072"/>
@@ -1316,7 +1311,7 @@
                 <a:cs typeface="+mn-cs"/>
               </a:defRPr>
             </a:pPr>
-            <a:endParaRPr lang="en-US"/>
+            <a:endParaRPr lang="pt-PT"/>
           </a:p>
         </c:txPr>
         <c:crossAx val="634089088"/>
@@ -1358,7 +1353,7 @@
               <a:cs typeface="+mn-cs"/>
             </a:defRPr>
           </a:pPr>
-          <a:endParaRPr lang="en-US"/>
+          <a:endParaRPr lang="pt-PT"/>
         </a:p>
       </c:txPr>
     </c:legend>
@@ -1387,7 +1382,7 @@
       <a:pPr>
         <a:defRPr/>
       </a:pPr>
-      <a:endParaRPr lang="en-US"/>
+      <a:endParaRPr lang="pt-PT"/>
     </a:p>
   </c:txPr>
   <c:externalData r:id="rId3">
@@ -1399,7 +1394,7 @@
 <file path=ppt/charts/chart4.xml><?xml version="1.0" encoding="utf-8"?>
 <c:chartSpace xmlns:c="http://schemas.openxmlformats.org/drawingml/2006/chart" xmlns:a="http://schemas.openxmlformats.org/drawingml/2006/main" xmlns:r="http://schemas.openxmlformats.org/officeDocument/2006/relationships" xmlns:c16r2="http://schemas.microsoft.com/office/drawing/2015/06/chart">
   <c:date1904 val="0"/>
-  <c:lang val="pt-PT"/>
+  <c:lang val="en-US"/>
   <c:roundedCorners val="0"/>
   <mc:AlternateContent xmlns:mc="http://schemas.openxmlformats.org/markup-compatibility/2006">
     <mc:Choice xmlns:c14="http://schemas.microsoft.com/office/drawing/2007/8/2/chart" Requires="c14">
@@ -1695,7 +1690,7 @@
                 <a:cs typeface="+mn-cs"/>
               </a:defRPr>
             </a:pPr>
-            <a:endParaRPr lang="en-US"/>
+            <a:endParaRPr lang="pt-PT"/>
           </a:p>
         </c:txPr>
         <c:crossAx val="583872112"/>
@@ -1754,7 +1749,7 @@
                 <a:cs typeface="+mn-cs"/>
               </a:defRPr>
             </a:pPr>
-            <a:endParaRPr lang="en-US"/>
+            <a:endParaRPr lang="pt-PT"/>
           </a:p>
         </c:txPr>
         <c:crossAx val="583871784"/>
@@ -1796,7 +1791,7 @@
               <a:cs typeface="+mn-cs"/>
             </a:defRPr>
           </a:pPr>
-          <a:endParaRPr lang="en-US"/>
+          <a:endParaRPr lang="pt-PT"/>
         </a:p>
       </c:txPr>
     </c:legend>
@@ -1825,7 +1820,7 @@
       <a:pPr>
         <a:defRPr/>
       </a:pPr>
-      <a:endParaRPr lang="en-US"/>
+      <a:endParaRPr lang="pt-PT"/>
     </a:p>
   </c:txPr>
   <c:externalData r:id="rId3">
@@ -3996,7 +3991,7 @@
             <a:fld id="{5D8AA918-AAAF-A948-AD9D-7282A6CA6554}" type="datetimeFigureOut">
               <a:rPr lang="en-US" smtClean="0"/>
               <a:pPr/>
-              <a:t>12/10/2021</a:t>
+              <a:t>1/4/2022</a:t>
             </a:fld>
             <a:endParaRPr lang="pt-PT"/>
           </a:p>
@@ -4157,7 +4152,7 @@
             <a:fld id="{FC1B708B-99F0-4F4A-8995-6044E0FFF0C7}" type="slidenum">
               <a:rPr lang="pt-PT" smtClean="0"/>
               <a:pPr/>
-              <a:t>‹nº›</a:t>
+              <a:t>‹#›</a:t>
             </a:fld>
             <a:endParaRPr lang="pt-PT"/>
           </a:p>
@@ -4348,7 +4343,7 @@
             <a:fld id="{44B11A7A-C2E1-40A3-A304-BADFC0305F97}" type="datetimeFigureOut">
               <a:rPr lang="pt-PT" smtClean="0"/>
               <a:pPr/>
-              <a:t>10/12/2021</a:t>
+              <a:t>04/01/2022</a:t>
             </a:fld>
             <a:endParaRPr lang="pt-PT"/>
           </a:p>
@@ -4614,7 +4609,7 @@
             <a:fld id="{44B11A7A-C2E1-40A3-A304-BADFC0305F97}" type="datetimeFigureOut">
               <a:rPr lang="pt-PT" smtClean="0"/>
               <a:pPr/>
-              <a:t>10/12/2021</a:t>
+              <a:t>04/01/2022</a:t>
             </a:fld>
             <a:endParaRPr lang="pt-PT"/>
           </a:p>
@@ -4788,7 +4783,7 @@
             <a:fld id="{44B11A7A-C2E1-40A3-A304-BADFC0305F97}" type="datetimeFigureOut">
               <a:rPr lang="pt-PT" smtClean="0"/>
               <a:pPr/>
-              <a:t>10/12/2021</a:t>
+              <a:t>04/01/2022</a:t>
             </a:fld>
             <a:endParaRPr lang="pt-PT"/>
           </a:p>
@@ -4831,7 +4826,7 @@
             <a:fld id="{9F46AC24-9121-4D27-8FE4-0595B5E1EC6D}" type="slidenum">
               <a:rPr lang="pt-PT" smtClean="0"/>
               <a:pPr/>
-              <a:t>‹nº›</a:t>
+              <a:t>‹#›</a:t>
             </a:fld>
             <a:endParaRPr lang="pt-PT"/>
           </a:p>
@@ -4998,7 +4993,7 @@
             <a:fld id="{44B11A7A-C2E1-40A3-A304-BADFC0305F97}" type="datetimeFigureOut">
               <a:rPr lang="pt-PT" smtClean="0"/>
               <a:pPr/>
-              <a:t>10/12/2021</a:t>
+              <a:t>04/01/2022</a:t>
             </a:fld>
             <a:endParaRPr lang="pt-PT"/>
           </a:p>
@@ -5041,7 +5036,7 @@
             <a:fld id="{9F46AC24-9121-4D27-8FE4-0595B5E1EC6D}" type="slidenum">
               <a:rPr lang="pt-PT" smtClean="0"/>
               <a:pPr/>
-              <a:t>‹nº›</a:t>
+              <a:t>‹#›</a:t>
             </a:fld>
             <a:endParaRPr lang="pt-PT"/>
           </a:p>
@@ -5349,7 +5344,7 @@
             <a:fld id="{44B11A7A-C2E1-40A3-A304-BADFC0305F97}" type="datetimeFigureOut">
               <a:rPr lang="pt-PT" smtClean="0"/>
               <a:pPr/>
-              <a:t>10/12/2021</a:t>
+              <a:t>04/01/2022</a:t>
             </a:fld>
             <a:endParaRPr lang="pt-PT"/>
           </a:p>
@@ -5392,7 +5387,7 @@
             <a:fld id="{9F46AC24-9121-4D27-8FE4-0595B5E1EC6D}" type="slidenum">
               <a:rPr lang="pt-PT" smtClean="0"/>
               <a:pPr/>
-              <a:t>‹nº›</a:t>
+              <a:t>‹#›</a:t>
             </a:fld>
             <a:endParaRPr lang="pt-PT"/>
           </a:p>
@@ -5444,7 +5439,7 @@
             <a:fld id="{44B11A7A-C2E1-40A3-A304-BADFC0305F97}" type="datetimeFigureOut">
               <a:rPr lang="pt-PT" smtClean="0"/>
               <a:pPr/>
-              <a:t>10/12/2021</a:t>
+              <a:t>04/01/2022</a:t>
             </a:fld>
             <a:endParaRPr lang="pt-PT"/>
           </a:p>
@@ -5487,7 +5482,7 @@
             <a:fld id="{9F46AC24-9121-4D27-8FE4-0595B5E1EC6D}" type="slidenum">
               <a:rPr lang="pt-PT" smtClean="0"/>
               <a:pPr/>
-              <a:t>‹nº›</a:t>
+              <a:t>‹#›</a:t>
             </a:fld>
             <a:endParaRPr lang="pt-PT"/>
           </a:p>
@@ -5810,7 +5805,7 @@
             <a:fld id="{44B11A7A-C2E1-40A3-A304-BADFC0305F97}" type="datetimeFigureOut">
               <a:rPr lang="pt-PT" smtClean="0"/>
               <a:pPr/>
-              <a:t>10/12/2021</a:t>
+              <a:t>04/01/2022</a:t>
             </a:fld>
             <a:endParaRPr lang="pt-PT"/>
           </a:p>
@@ -5935,7 +5930,7 @@
             <a:fld id="{44B11A7A-C2E1-40A3-A304-BADFC0305F97}" type="datetimeFigureOut">
               <a:rPr lang="pt-PT" smtClean="0"/>
               <a:pPr/>
-              <a:t>10/12/2021</a:t>
+              <a:t>04/01/2022</a:t>
             </a:fld>
             <a:endParaRPr lang="pt-PT"/>
           </a:p>
@@ -6019,7 +6014,7 @@
             <a:fld id="{44B11A7A-C2E1-40A3-A304-BADFC0305F97}" type="datetimeFigureOut">
               <a:rPr lang="pt-PT" smtClean="0"/>
               <a:pPr/>
-              <a:t>10/12/2021</a:t>
+              <a:t>04/01/2022</a:t>
             </a:fld>
             <a:endParaRPr lang="pt-PT"/>
           </a:p>
@@ -6098,7 +6093,7 @@
             <a:fld id="{9F46AC24-9121-4D27-8FE4-0595B5E1EC6D}" type="slidenum">
               <a:rPr lang="pt-PT" smtClean="0"/>
               <a:pPr/>
-              <a:t>‹nº›</a:t>
+              <a:t>‹#›</a:t>
             </a:fld>
             <a:endParaRPr lang="pt-PT"/>
           </a:p>
@@ -6464,7 +6459,7 @@
         <p:spPr>
           <a:xfrm>
             <a:off x="3962890" y="4824155"/>
-            <a:ext cx="5310590" cy="1083374"/>
+            <a:ext cx="5310590" cy="824841"/>
           </a:xfrm>
           <a:prstGeom prst="rect">
             <a:avLst/>
@@ -6548,49 +6543,6 @@
                 </a:solidFill>
               </a:rPr>
               <a:t>Diogo Sá Dias (1161605)</a:t>
-            </a:r>
-          </a:p>
-          <a:p>
-            <a:pPr marL="342900" marR="0" indent="-342900" algn="l" defTabSz="914400" rtl="0" eaLnBrk="1" fontAlgn="auto" latinLnBrk="0" hangingPunct="1">
-              <a:lnSpc>
-                <a:spcPct val="100000"/>
-              </a:lnSpc>
-              <a:spcBef>
-                <a:spcPct val="20000"/>
-              </a:spcBef>
-              <a:spcAft>
-                <a:spcPts val="0"/>
-              </a:spcAft>
-              <a:buClrTx/>
-              <a:buSzTx/>
-              <a:buFont typeface="Arial" panose="020B0604020202020204" pitchFamily="34" charset="0"/>
-              <a:buChar char="•"/>
-              <a:tabLst/>
-            </a:pPr>
-            <a:r>
-              <a:rPr kumimoji="0" lang="pt-PT" sz="1400" b="0" i="0" u="none" strike="noStrike" kern="1200" cap="none" spc="0" normalizeH="0" baseline="0" noProof="0" dirty="0">
-                <a:ln>
-                  <a:noFill/>
-                </a:ln>
-                <a:solidFill>
-                  <a:schemeClr val="bg1"/>
-                </a:solidFill>
-                <a:effectLst/>
-                <a:uLnTx/>
-                <a:uFillTx/>
-                <a:latin typeface="+mn-lt"/>
-                <a:ea typeface="+mn-ea"/>
-                <a:cs typeface="+mn-cs"/>
-              </a:rPr>
-              <a:t>Pedro Nascimento</a:t>
-            </a:r>
-            <a:r>
-              <a:rPr lang="pt-PT" sz="1400" dirty="0">
-                <a:solidFill>
-                  <a:schemeClr val="bg1"/>
-                </a:solidFill>
-              </a:rPr>
-              <a:t> (0000000)</a:t>
             </a:r>
           </a:p>
           <a:p>
@@ -6790,7 +6742,7 @@
                   <a:schemeClr val="tx1"/>
                 </a:solidFill>
               </a:rPr>
-              <a:t>Date: 4Dec2022</a:t>
+              <a:t>Date: 4Jan2022</a:t>
             </a:r>
           </a:p>
         </p:txBody>
@@ -6859,11 +6811,14 @@
               <a:buFont typeface="Arial" panose="020B0604020202020204" pitchFamily="34" charset="0"/>
               <a:buChar char="•"/>
             </a:pPr>
-            <a:endParaRPr lang="en-US" sz="1400" dirty="0">
-              <a:solidFill>
-                <a:schemeClr val="tx1"/>
-              </a:solidFill>
-            </a:endParaRPr>
+            <a:r>
+              <a:rPr lang="en-US" sz="1400" dirty="0">
+                <a:solidFill>
+                  <a:schemeClr val="tx1"/>
+                </a:solidFill>
+              </a:rPr>
+              <a:t>Most of the US’s were done and are functional and totally tested</a:t>
+            </a:r>
           </a:p>
         </p:txBody>
       </p:sp>
@@ -6942,11 +6897,28 @@
               <a:buFont typeface="Arial" panose="020B0604020202020204" pitchFamily="34" charset="0"/>
               <a:buChar char="•"/>
             </a:pPr>
-            <a:endParaRPr lang="en-US" sz="1400" dirty="0">
-              <a:solidFill>
-                <a:schemeClr val="tx1"/>
-              </a:solidFill>
-            </a:endParaRPr>
+            <a:r>
+              <a:rPr lang="en-US" sz="1400" dirty="0">
+                <a:solidFill>
+                  <a:schemeClr val="tx1"/>
+                </a:solidFill>
+              </a:rPr>
+              <a:t>On the day before that the sprint would end, one member of the team quit the project and the course, so the all the issues from that member were not done</a:t>
+            </a:r>
+          </a:p>
+          <a:p>
+            <a:pPr marL="285750" indent="-285750">
+              <a:buFont typeface="Arial" panose="020B0604020202020204" pitchFamily="34" charset="0"/>
+              <a:buChar char="•"/>
+            </a:pPr>
+            <a:r>
+              <a:rPr lang="en-US" sz="1400" dirty="0">
+                <a:solidFill>
+                  <a:schemeClr val="tx1"/>
+                </a:solidFill>
+              </a:rPr>
+              <a:t>Some US’s were not completed</a:t>
+            </a:r>
           </a:p>
         </p:txBody>
       </p:sp>
@@ -7014,11 +6986,14 @@
               <a:buFont typeface="Arial" panose="020B0604020202020204" pitchFamily="34" charset="0"/>
               <a:buChar char="•"/>
             </a:pPr>
-            <a:endParaRPr lang="en-US" sz="1400" dirty="0">
-              <a:solidFill>
-                <a:schemeClr val="tx1"/>
-              </a:solidFill>
-            </a:endParaRPr>
+            <a:r>
+              <a:rPr lang="en-US" sz="1400" dirty="0">
+                <a:solidFill>
+                  <a:schemeClr val="tx1"/>
+                </a:solidFill>
+              </a:rPr>
+              <a:t>We should have communicate more with each other to avoid not knowing what a member is doing at that moment</a:t>
+            </a:r>
           </a:p>
         </p:txBody>
       </p:sp>
@@ -7112,12 +7087,12 @@
               <a:buNone/>
             </a:pPr>
             <a:r>
-              <a:rPr lang="en-US">
+              <a:rPr lang="en-US" dirty="0">
                 <a:solidFill>
                   <a:schemeClr val="tx1"/>
                 </a:solidFill>
               </a:rPr>
-              <a:t>Date: </a:t>
+              <a:t>Date: 4Jan2022</a:t>
             </a:r>
           </a:p>
         </p:txBody>
@@ -7410,7 +7385,7 @@
           <p:nvPr>
             <p:extLst>
               <p:ext uri="{D42A27DB-BD31-4B8C-83A1-F6EECF244321}">
-                <p14:modId xmlns:p14="http://schemas.microsoft.com/office/powerpoint/2010/main" val="3428086522"/>
+                <p14:modId xmlns:p14="http://schemas.microsoft.com/office/powerpoint/2010/main" val="3221574234"/>
               </p:ext>
             </p:extLst>
           </p:nvPr>
@@ -7526,7 +7501,7 @@
                     <a:p>
                       <a:r>
                         <a:rPr lang="pt-PT" noProof="0" dirty="0"/>
-                        <a:t>-</a:t>
+                        <a:t>5</a:t>
                       </a:r>
                       <a:endParaRPr lang="en-US" noProof="0" dirty="0"/>
                     </a:p>
@@ -7646,7 +7621,7 @@
                       </a:pPr>
                       <a:r>
                         <a:rPr lang="en-US" noProof="0" dirty="0"/>
-                        <a:t>Planned:     6         Actual:   6</a:t>
+                        <a:t>Planned:     6         Actual:   5</a:t>
                       </a:r>
                     </a:p>
                   </a:txBody>
@@ -7685,7 +7660,7 @@
                       </a:pPr>
                       <a:r>
                         <a:rPr lang="en-US" noProof="0" dirty="0"/>
-                        <a:t>Planned hours: --</a:t>
+                        <a:t>Planned hours: 102</a:t>
                       </a:r>
                     </a:p>
                     <a:p>
@@ -7694,7 +7669,7 @@
                       </a:pPr>
                       <a:r>
                         <a:rPr lang="en-US" noProof="0" dirty="0"/>
-                        <a:t>Executed hours: --</a:t>
+                        <a:t>Executed hours: 90</a:t>
                       </a:r>
                     </a:p>
                   </a:txBody>
@@ -8021,7 +7996,7 @@
           <p:nvPr>
             <p:extLst>
               <p:ext uri="{D42A27DB-BD31-4B8C-83A1-F6EECF244321}">
-                <p14:modId xmlns:p14="http://schemas.microsoft.com/office/powerpoint/2010/main" val="27818190"/>
+                <p14:modId xmlns:p14="http://schemas.microsoft.com/office/powerpoint/2010/main" val="2853818515"/>
               </p:ext>
             </p:extLst>
           </p:nvPr>
@@ -8512,7 +8487,10 @@
                     <a:lstStyle/>
                     <a:p>
                       <a:pPr algn="ctr"/>
-                      <a:endParaRPr lang="pt-PT" dirty="0"/>
+                      <a:r>
+                        <a:rPr lang="pt-PT" dirty="0"/>
+                        <a:t>YES</a:t>
+                      </a:r>
                     </a:p>
                   </a:txBody>
                   <a:tcPr>
@@ -8747,20 +8725,23 @@
                         <a:tabLst/>
                         <a:defRPr/>
                       </a:pPr>
-                      <a:endParaRPr kumimoji="0" lang="pt-PT" sz="1800" b="0" i="0" u="none" strike="noStrike" kern="1200" cap="none" spc="0" normalizeH="0" baseline="0" noProof="0" dirty="0">
-                        <a:ln>
-                          <a:noFill/>
-                        </a:ln>
-                        <a:solidFill>
-                          <a:prstClr val="black"/>
-                        </a:solidFill>
-                        <a:effectLst/>
-                        <a:uLnTx/>
-                        <a:uFillTx/>
-                        <a:latin typeface="Kozuka Gothic Pro R"/>
-                        <a:ea typeface="+mn-ea"/>
-                        <a:cs typeface="+mn-cs"/>
-                      </a:endParaRPr>
+                      <a:r>
+                        <a:rPr kumimoji="0" lang="pt-PT" sz="1800" b="0" i="0" u="none" strike="noStrike" kern="1200" cap="none" spc="0" normalizeH="0" baseline="0" noProof="0" dirty="0">
+                          <a:ln>
+                            <a:noFill/>
+                          </a:ln>
+                          <a:solidFill>
+                            <a:prstClr val="black"/>
+                          </a:solidFill>
+                          <a:effectLst/>
+                          <a:uLnTx/>
+                          <a:uFillTx/>
+                          <a:latin typeface="Kozuka Gothic Pro R"/>
+                          <a:ea typeface="+mn-ea"/>
+                          <a:cs typeface="+mn-cs"/>
+                        </a:rPr>
+                        <a:t>YES</a:t>
+                      </a:r>
                     </a:p>
                   </a:txBody>
                   <a:tcPr>
@@ -8928,20 +8909,23 @@
                         <a:tabLst/>
                         <a:defRPr/>
                       </a:pPr>
-                      <a:endParaRPr kumimoji="0" lang="pt-PT" sz="1800" b="0" i="0" u="none" strike="noStrike" kern="1200" cap="none" spc="0" normalizeH="0" baseline="0" noProof="0" dirty="0">
-                        <a:ln>
-                          <a:noFill/>
-                        </a:ln>
-                        <a:solidFill>
-                          <a:prstClr val="black"/>
-                        </a:solidFill>
-                        <a:effectLst/>
-                        <a:uLnTx/>
-                        <a:uFillTx/>
-                        <a:latin typeface="Kozuka Gothic Pro R"/>
-                        <a:ea typeface="+mn-ea"/>
-                        <a:cs typeface="+mn-cs"/>
-                      </a:endParaRPr>
+                      <a:r>
+                        <a:rPr kumimoji="0" lang="pt-PT" sz="1800" b="0" i="0" u="none" strike="noStrike" kern="1200" cap="none" spc="0" normalizeH="0" baseline="0" noProof="0" dirty="0">
+                          <a:ln>
+                            <a:noFill/>
+                          </a:ln>
+                          <a:solidFill>
+                            <a:prstClr val="black"/>
+                          </a:solidFill>
+                          <a:effectLst/>
+                          <a:uLnTx/>
+                          <a:uFillTx/>
+                          <a:latin typeface="Kozuka Gothic Pro R"/>
+                          <a:ea typeface="+mn-ea"/>
+                          <a:cs typeface="+mn-cs"/>
+                        </a:rPr>
+                        <a:t>NO</a:t>
+                      </a:r>
                     </a:p>
                   </a:txBody>
                   <a:tcPr>
@@ -9387,20 +9371,23 @@
                         <a:tabLst/>
                         <a:defRPr/>
                       </a:pPr>
-                      <a:endParaRPr kumimoji="0" lang="pt-PT" sz="1800" b="0" i="0" u="none" strike="noStrike" kern="1200" cap="none" spc="0" normalizeH="0" baseline="0" noProof="0" dirty="0">
-                        <a:ln>
-                          <a:noFill/>
-                        </a:ln>
-                        <a:solidFill>
-                          <a:prstClr val="black"/>
-                        </a:solidFill>
-                        <a:effectLst/>
-                        <a:uLnTx/>
-                        <a:uFillTx/>
-                        <a:latin typeface="Kozuka Gothic Pro R"/>
-                        <a:ea typeface="+mn-ea"/>
-                        <a:cs typeface="+mn-cs"/>
-                      </a:endParaRPr>
+                      <a:r>
+                        <a:rPr kumimoji="0" lang="pt-PT" sz="1800" b="0" i="0" u="none" strike="noStrike" kern="1200" cap="none" spc="0" normalizeH="0" baseline="0" noProof="0" dirty="0">
+                          <a:ln>
+                            <a:noFill/>
+                          </a:ln>
+                          <a:solidFill>
+                            <a:prstClr val="black"/>
+                          </a:solidFill>
+                          <a:effectLst/>
+                          <a:uLnTx/>
+                          <a:uFillTx/>
+                          <a:latin typeface="Kozuka Gothic Pro R"/>
+                          <a:ea typeface="+mn-ea"/>
+                          <a:cs typeface="+mn-cs"/>
+                        </a:rPr>
+                        <a:t>YES</a:t>
+                      </a:r>
                     </a:p>
                   </a:txBody>
                   <a:tcPr>
@@ -9500,7 +9487,10 @@
                       <a:pPr lvl="0">
                         <a:buNone/>
                       </a:pPr>
-                      <a:endParaRPr lang="pt-PT" dirty="0"/>
+                      <a:r>
+                        <a:rPr lang="pt-PT" dirty="0"/>
+                        <a:t>     YES</a:t>
+                      </a:r>
                     </a:p>
                   </a:txBody>
                   <a:tcPr>
@@ -9855,20 +9845,23 @@
                         <a:tabLst/>
                         <a:defRPr/>
                       </a:pPr>
-                      <a:endParaRPr kumimoji="0" lang="pt-PT" sz="1800" b="0" i="0" u="none" strike="noStrike" kern="1200" cap="none" spc="0" normalizeH="0" baseline="0" noProof="0" dirty="0">
-                        <a:ln>
-                          <a:noFill/>
-                        </a:ln>
-                        <a:solidFill>
-                          <a:prstClr val="black"/>
-                        </a:solidFill>
-                        <a:effectLst/>
-                        <a:uLnTx/>
-                        <a:uFillTx/>
-                        <a:latin typeface="Kozuka Gothic Pro R"/>
-                        <a:ea typeface="+mn-ea"/>
-                        <a:cs typeface="+mn-cs"/>
-                      </a:endParaRPr>
+                      <a:r>
+                        <a:rPr kumimoji="0" lang="pt-PT" sz="1800" b="0" i="0" u="none" strike="noStrike" kern="1200" cap="none" spc="0" normalizeH="0" baseline="0" noProof="0" dirty="0">
+                          <a:ln>
+                            <a:noFill/>
+                          </a:ln>
+                          <a:solidFill>
+                            <a:prstClr val="black"/>
+                          </a:solidFill>
+                          <a:effectLst/>
+                          <a:uLnTx/>
+                          <a:uFillTx/>
+                          <a:latin typeface="Kozuka Gothic Pro R"/>
+                          <a:ea typeface="+mn-ea"/>
+                          <a:cs typeface="+mn-cs"/>
+                        </a:rPr>
+                        <a:t>YES</a:t>
+                      </a:r>
                     </a:p>
                   </a:txBody>
                   <a:tcPr>
@@ -10109,20 +10102,23 @@
                         <a:tabLst/>
                         <a:defRPr/>
                       </a:pPr>
-                      <a:endParaRPr kumimoji="0" lang="pt-PT" sz="1800" b="0" i="0" u="none" strike="noStrike" kern="1200" cap="none" spc="0" normalizeH="0" baseline="0" noProof="0" dirty="0">
-                        <a:ln>
-                          <a:noFill/>
-                        </a:ln>
-                        <a:solidFill>
-                          <a:prstClr val="black"/>
-                        </a:solidFill>
-                        <a:effectLst/>
-                        <a:uLnTx/>
-                        <a:uFillTx/>
-                        <a:latin typeface="Kozuka Gothic Pro R"/>
-                        <a:ea typeface="+mn-ea"/>
-                        <a:cs typeface="+mn-cs"/>
-                      </a:endParaRPr>
+                      <a:r>
+                        <a:rPr kumimoji="0" lang="pt-PT" sz="1800" b="0" i="0" u="none" strike="noStrike" kern="1200" cap="none" spc="0" normalizeH="0" baseline="0" noProof="0" dirty="0">
+                          <a:ln>
+                            <a:noFill/>
+                          </a:ln>
+                          <a:solidFill>
+                            <a:prstClr val="black"/>
+                          </a:solidFill>
+                          <a:effectLst/>
+                          <a:uLnTx/>
+                          <a:uFillTx/>
+                          <a:latin typeface="Kozuka Gothic Pro R"/>
+                          <a:ea typeface="+mn-ea"/>
+                          <a:cs typeface="+mn-cs"/>
+                        </a:rPr>
+                        <a:t>YES</a:t>
+                      </a:r>
                     </a:p>
                   </a:txBody>
                   <a:tcPr>
@@ -10309,7 +10305,10 @@
                       <a:pPr lvl="0" algn="ctr">
                         <a:buNone/>
                       </a:pPr>
-                      <a:endParaRPr lang="pt-PT" dirty="0"/>
+                      <a:r>
+                        <a:rPr lang="pt-PT" dirty="0"/>
+                        <a:t>NO</a:t>
+                      </a:r>
                     </a:p>
                   </a:txBody>
                   <a:tcPr>
@@ -10737,20 +10736,23 @@
                         <a:tabLst/>
                         <a:defRPr/>
                       </a:pPr>
-                      <a:endParaRPr kumimoji="0" lang="pt-PT" sz="1800" b="0" i="0" u="none" strike="noStrike" kern="1200" cap="none" spc="0" normalizeH="0" baseline="0" noProof="0" dirty="0">
-                        <a:ln>
-                          <a:noFill/>
-                        </a:ln>
-                        <a:solidFill>
-                          <a:prstClr val="black"/>
-                        </a:solidFill>
-                        <a:effectLst/>
-                        <a:uLnTx/>
-                        <a:uFillTx/>
-                        <a:latin typeface="Kozuka Gothic Pro R"/>
-                        <a:ea typeface="+mn-ea"/>
-                        <a:cs typeface="+mn-cs"/>
-                      </a:endParaRPr>
+                      <a:r>
+                        <a:rPr kumimoji="0" lang="pt-PT" sz="1800" b="0" i="0" u="none" strike="noStrike" kern="1200" cap="none" spc="0" normalizeH="0" baseline="0" noProof="0" dirty="0">
+                          <a:ln>
+                            <a:noFill/>
+                          </a:ln>
+                          <a:solidFill>
+                            <a:prstClr val="black"/>
+                          </a:solidFill>
+                          <a:effectLst/>
+                          <a:uLnTx/>
+                          <a:uFillTx/>
+                          <a:latin typeface="Kozuka Gothic Pro R"/>
+                          <a:ea typeface="+mn-ea"/>
+                          <a:cs typeface="+mn-cs"/>
+                        </a:rPr>
+                        <a:t>YES</a:t>
+                      </a:r>
                     </a:p>
                   </a:txBody>
                   <a:tcPr>
@@ -10978,20 +10980,23 @@
                         <a:tabLst/>
                         <a:defRPr/>
                       </a:pPr>
-                      <a:endParaRPr kumimoji="0" lang="pt-PT" sz="1800" b="0" i="0" u="none" strike="noStrike" kern="1200" cap="none" spc="0" normalizeH="0" baseline="0" noProof="0" dirty="0">
-                        <a:ln>
-                          <a:noFill/>
-                        </a:ln>
-                        <a:solidFill>
-                          <a:prstClr val="black"/>
-                        </a:solidFill>
-                        <a:effectLst/>
-                        <a:uLnTx/>
-                        <a:uFillTx/>
-                        <a:latin typeface="Kozuka Gothic Pro R"/>
-                        <a:ea typeface="+mn-ea"/>
-                        <a:cs typeface="+mn-cs"/>
-                      </a:endParaRPr>
+                      <a:r>
+                        <a:rPr kumimoji="0" lang="pt-PT" sz="1800" b="0" i="0" u="none" strike="noStrike" kern="1200" cap="none" spc="0" normalizeH="0" baseline="0" noProof="0" dirty="0">
+                          <a:ln>
+                            <a:noFill/>
+                          </a:ln>
+                          <a:solidFill>
+                            <a:prstClr val="black"/>
+                          </a:solidFill>
+                          <a:effectLst/>
+                          <a:uLnTx/>
+                          <a:uFillTx/>
+                          <a:latin typeface="Kozuka Gothic Pro R"/>
+                          <a:ea typeface="+mn-ea"/>
+                          <a:cs typeface="+mn-cs"/>
+                        </a:rPr>
+                        <a:t>YES</a:t>
+                      </a:r>
                     </a:p>
                   </a:txBody>
                   <a:tcPr>
@@ -11192,20 +11197,23 @@
                         <a:tabLst/>
                         <a:defRPr/>
                       </a:pPr>
-                      <a:endParaRPr kumimoji="0" lang="pt-PT" sz="1800" b="0" i="0" u="none" strike="noStrike" kern="1200" cap="none" spc="0" normalizeH="0" baseline="0" noProof="0" dirty="0">
-                        <a:ln>
-                          <a:noFill/>
-                        </a:ln>
-                        <a:solidFill>
-                          <a:prstClr val="black"/>
-                        </a:solidFill>
-                        <a:effectLst/>
-                        <a:uLnTx/>
-                        <a:uFillTx/>
-                        <a:latin typeface="Kozuka Gothic Pro R"/>
-                        <a:ea typeface="+mn-ea"/>
-                        <a:cs typeface="+mn-cs"/>
-                      </a:endParaRPr>
+                      <a:r>
+                        <a:rPr kumimoji="0" lang="pt-PT" sz="1800" b="0" i="0" u="none" strike="noStrike" kern="1200" cap="none" spc="0" normalizeH="0" baseline="0" noProof="0" dirty="0">
+                          <a:ln>
+                            <a:noFill/>
+                          </a:ln>
+                          <a:solidFill>
+                            <a:prstClr val="black"/>
+                          </a:solidFill>
+                          <a:effectLst/>
+                          <a:uLnTx/>
+                          <a:uFillTx/>
+                          <a:latin typeface="Kozuka Gothic Pro R"/>
+                          <a:ea typeface="+mn-ea"/>
+                          <a:cs typeface="+mn-cs"/>
+                        </a:rPr>
+                        <a:t>YES</a:t>
+                      </a:r>
                     </a:p>
                   </a:txBody>
                   <a:tcPr>
@@ -11433,20 +11441,23 @@
                         <a:tabLst/>
                         <a:defRPr/>
                       </a:pPr>
-                      <a:endParaRPr kumimoji="0" lang="pt-PT" sz="1800" b="0" i="0" u="none" strike="noStrike" kern="1200" cap="none" spc="0" normalizeH="0" baseline="0" noProof="0" dirty="0">
-                        <a:ln>
-                          <a:noFill/>
-                        </a:ln>
-                        <a:solidFill>
-                          <a:prstClr val="black"/>
-                        </a:solidFill>
-                        <a:effectLst/>
-                        <a:uLnTx/>
-                        <a:uFillTx/>
-                        <a:latin typeface="Kozuka Gothic Pro R"/>
-                        <a:ea typeface="+mn-ea"/>
-                        <a:cs typeface="+mn-cs"/>
-                      </a:endParaRPr>
+                      <a:r>
+                        <a:rPr kumimoji="0" lang="pt-PT" sz="1800" b="0" i="0" u="none" strike="noStrike" kern="1200" cap="none" spc="0" normalizeH="0" baseline="0" noProof="0" dirty="0">
+                          <a:ln>
+                            <a:noFill/>
+                          </a:ln>
+                          <a:solidFill>
+                            <a:prstClr val="black"/>
+                          </a:solidFill>
+                          <a:effectLst/>
+                          <a:uLnTx/>
+                          <a:uFillTx/>
+                          <a:latin typeface="Kozuka Gothic Pro R"/>
+                          <a:ea typeface="+mn-ea"/>
+                          <a:cs typeface="+mn-cs"/>
+                        </a:rPr>
+                        <a:t>YES</a:t>
+                      </a:r>
                     </a:p>
                   </a:txBody>
                   <a:tcPr>
@@ -11647,20 +11658,23 @@
                         <a:tabLst/>
                         <a:defRPr/>
                       </a:pPr>
-                      <a:endParaRPr kumimoji="0" lang="pt-PT" sz="1800" b="0" i="0" u="none" strike="noStrike" kern="1200" cap="none" spc="0" normalizeH="0" baseline="0" noProof="0" dirty="0">
-                        <a:ln>
-                          <a:noFill/>
-                        </a:ln>
-                        <a:solidFill>
-                          <a:prstClr val="black"/>
-                        </a:solidFill>
-                        <a:effectLst/>
-                        <a:uLnTx/>
-                        <a:uFillTx/>
-                        <a:latin typeface="Kozuka Gothic Pro R"/>
-                        <a:ea typeface="+mn-ea"/>
-                        <a:cs typeface="+mn-cs"/>
-                      </a:endParaRPr>
+                      <a:r>
+                        <a:rPr kumimoji="0" lang="pt-PT" sz="1800" b="0" i="0" u="none" strike="noStrike" kern="1200" cap="none" spc="0" normalizeH="0" baseline="0" noProof="0" dirty="0">
+                          <a:ln>
+                            <a:noFill/>
+                          </a:ln>
+                          <a:solidFill>
+                            <a:prstClr val="black"/>
+                          </a:solidFill>
+                          <a:effectLst/>
+                          <a:uLnTx/>
+                          <a:uFillTx/>
+                          <a:latin typeface="Kozuka Gothic Pro R"/>
+                          <a:ea typeface="+mn-ea"/>
+                          <a:cs typeface="+mn-cs"/>
+                        </a:rPr>
+                        <a:t>YES</a:t>
+                      </a:r>
                     </a:p>
                   </a:txBody>
                   <a:tcPr>
@@ -11901,20 +11915,23 @@
                         <a:tabLst/>
                         <a:defRPr/>
                       </a:pPr>
-                      <a:endParaRPr kumimoji="0" lang="pt-PT" sz="1800" b="0" i="0" u="none" strike="noStrike" kern="1200" cap="none" spc="0" normalizeH="0" baseline="0" noProof="0" dirty="0">
-                        <a:ln>
-                          <a:noFill/>
-                        </a:ln>
-                        <a:solidFill>
-                          <a:prstClr val="black"/>
-                        </a:solidFill>
-                        <a:effectLst/>
-                        <a:uLnTx/>
-                        <a:uFillTx/>
-                        <a:latin typeface="Kozuka Gothic Pro R"/>
-                        <a:ea typeface="+mn-ea"/>
-                        <a:cs typeface="+mn-cs"/>
-                      </a:endParaRPr>
+                      <a:r>
+                        <a:rPr kumimoji="0" lang="pt-PT" sz="1800" b="0" i="0" u="none" strike="noStrike" kern="1200" cap="none" spc="0" normalizeH="0" baseline="0" noProof="0" dirty="0">
+                          <a:ln>
+                            <a:noFill/>
+                          </a:ln>
+                          <a:solidFill>
+                            <a:prstClr val="black"/>
+                          </a:solidFill>
+                          <a:effectLst/>
+                          <a:uLnTx/>
+                          <a:uFillTx/>
+                          <a:latin typeface="Kozuka Gothic Pro R"/>
+                          <a:ea typeface="+mn-ea"/>
+                          <a:cs typeface="+mn-cs"/>
+                        </a:rPr>
+                        <a:t>YES</a:t>
+                      </a:r>
                     </a:p>
                   </a:txBody>
                   <a:tcPr>
@@ -12115,20 +12132,23 @@
                         <a:tabLst/>
                         <a:defRPr/>
                       </a:pPr>
-                      <a:endParaRPr kumimoji="0" lang="pt-PT" sz="1800" b="0" i="0" u="none" strike="noStrike" kern="1200" cap="none" spc="0" normalizeH="0" baseline="0" noProof="0" dirty="0">
-                        <a:ln>
-                          <a:noFill/>
-                        </a:ln>
-                        <a:solidFill>
-                          <a:prstClr val="black"/>
-                        </a:solidFill>
-                        <a:effectLst/>
-                        <a:uLnTx/>
-                        <a:uFillTx/>
-                        <a:latin typeface="Kozuka Gothic Pro R"/>
-                        <a:ea typeface="+mn-ea"/>
-                        <a:cs typeface="+mn-cs"/>
-                      </a:endParaRPr>
+                      <a:r>
+                        <a:rPr kumimoji="0" lang="pt-PT" sz="1800" b="0" i="0" u="none" strike="noStrike" kern="1200" cap="none" spc="0" normalizeH="0" baseline="0" noProof="0" dirty="0">
+                          <a:ln>
+                            <a:noFill/>
+                          </a:ln>
+                          <a:solidFill>
+                            <a:prstClr val="black"/>
+                          </a:solidFill>
+                          <a:effectLst/>
+                          <a:uLnTx/>
+                          <a:uFillTx/>
+                          <a:latin typeface="Kozuka Gothic Pro R"/>
+                          <a:ea typeface="+mn-ea"/>
+                          <a:cs typeface="+mn-cs"/>
+                        </a:rPr>
+                        <a:t>NO</a:t>
+                      </a:r>
                     </a:p>
                   </a:txBody>
                   <a:tcPr>
@@ -12583,20 +12603,23 @@
                         <a:tabLst/>
                         <a:defRPr/>
                       </a:pPr>
-                      <a:endParaRPr kumimoji="0" lang="pt-PT" sz="1800" b="0" i="0" u="none" strike="noStrike" kern="1200" cap="none" spc="0" normalizeH="0" baseline="0" noProof="0" dirty="0">
-                        <a:ln>
-                          <a:noFill/>
-                        </a:ln>
-                        <a:solidFill>
-                          <a:prstClr val="black"/>
-                        </a:solidFill>
-                        <a:effectLst/>
-                        <a:uLnTx/>
-                        <a:uFillTx/>
-                        <a:latin typeface="Kozuka Gothic Pro R"/>
-                        <a:ea typeface="+mn-ea"/>
-                        <a:cs typeface="+mn-cs"/>
-                      </a:endParaRPr>
+                      <a:r>
+                        <a:rPr kumimoji="0" lang="pt-PT" sz="1800" b="0" i="0" u="none" strike="noStrike" kern="1200" cap="none" spc="0" normalizeH="0" baseline="0" noProof="0" dirty="0">
+                          <a:ln>
+                            <a:noFill/>
+                          </a:ln>
+                          <a:solidFill>
+                            <a:prstClr val="black"/>
+                          </a:solidFill>
+                          <a:effectLst/>
+                          <a:uLnTx/>
+                          <a:uFillTx/>
+                          <a:latin typeface="Kozuka Gothic Pro R"/>
+                          <a:ea typeface="+mn-ea"/>
+                          <a:cs typeface="+mn-cs"/>
+                        </a:rPr>
+                        <a:t>YES</a:t>
+                      </a:r>
                     </a:p>
                   </a:txBody>
                   <a:tcPr>
@@ -12696,7 +12719,10 @@
                       <a:pPr lvl="0" algn="ctr">
                         <a:buNone/>
                       </a:pPr>
-                      <a:endParaRPr lang="pt-PT" dirty="0"/>
+                      <a:r>
+                        <a:rPr lang="pt-PT" dirty="0"/>
+                        <a:t>YES</a:t>
+                      </a:r>
                     </a:p>
                   </a:txBody>
                   <a:tcPr>
@@ -13451,14 +13477,14 @@
           <p:nvPr>
             <p:extLst>
               <p:ext uri="{D42A27DB-BD31-4B8C-83A1-F6EECF244321}">
-                <p14:modId xmlns:p14="http://schemas.microsoft.com/office/powerpoint/2010/main" val="1824042968"/>
+                <p14:modId xmlns:p14="http://schemas.microsoft.com/office/powerpoint/2010/main" val="150641751"/>
               </p:ext>
             </p:extLst>
           </p:nvPr>
         </p:nvGraphicFramePr>
         <p:xfrm>
           <a:off x="448800" y="1891728"/>
-          <a:ext cx="8783999" cy="4023360"/>
+          <a:ext cx="8783999" cy="4297680"/>
         </p:xfrm>
         <a:graphic>
           <a:graphicData uri="http://schemas.openxmlformats.org/drawingml/2006/table">
@@ -13517,7 +13543,7 @@
                   </a:extLst>
                 </a:gridCol>
               </a:tblGrid>
-              <a:tr h="363000">
+              <a:tr h="332046">
                 <a:tc>
                   <a:txBody>
                     <a:bodyPr/>
@@ -13885,7 +13911,7 @@
                   </a:ext>
                 </a:extLst>
               </a:tr>
-              <a:tr h="363000">
+              <a:tr h="332046">
                 <a:tc>
                   <a:txBody>
                     <a:bodyPr/>
@@ -13893,7 +13919,7 @@
                     <a:p>
                       <a:r>
                         <a:rPr lang="pt-PT" dirty="0"/>
-                        <a:t>US 311</a:t>
+                        <a:t>US 311 (OPTIONAL)</a:t>
                       </a:r>
                     </a:p>
                   </a:txBody>
@@ -13942,7 +13968,10 @@
                     <a:lstStyle/>
                     <a:p>
                       <a:pPr algn="ctr"/>
-                      <a:endParaRPr lang="pt-PT" dirty="0"/>
+                      <a:r>
+                        <a:rPr lang="pt-PT" dirty="0"/>
+                        <a:t>NO</a:t>
+                      </a:r>
                     </a:p>
                   </a:txBody>
                   <a:tcPr>
@@ -14285,7 +14314,7 @@
                   </a:ext>
                 </a:extLst>
               </a:tr>
-              <a:tr h="363000">
+              <a:tr h="332046">
                 <a:tc>
                   <a:txBody>
                     <a:bodyPr/>
@@ -14295,6 +14324,180 @@
                         <a:rPr lang="pt-PT" dirty="0"/>
                         <a:t>US 312</a:t>
                       </a:r>
+                    </a:p>
+                  </a:txBody>
+                  <a:tcPr>
+                    <a:lnL w="12700" cap="flat" cmpd="sng" algn="ctr">
+                      <a:solidFill>
+                        <a:schemeClr val="tx1"/>
+                      </a:solidFill>
+                      <a:prstDash val="solid"/>
+                      <a:round/>
+                      <a:headEnd type="none" w="med" len="med"/>
+                      <a:tailEnd type="none" w="med" len="med"/>
+                    </a:lnL>
+                    <a:lnR w="12700" cap="flat" cmpd="sng" algn="ctr">
+                      <a:solidFill>
+                        <a:schemeClr val="tx1"/>
+                      </a:solidFill>
+                      <a:prstDash val="solid"/>
+                      <a:round/>
+                      <a:headEnd type="none" w="med" len="med"/>
+                      <a:tailEnd type="none" w="med" len="med"/>
+                    </a:lnR>
+                    <a:lnT w="12700" cap="flat" cmpd="sng" algn="ctr">
+                      <a:solidFill>
+                        <a:schemeClr val="tx1"/>
+                      </a:solidFill>
+                      <a:prstDash val="solid"/>
+                      <a:round/>
+                      <a:headEnd type="none" w="med" len="med"/>
+                      <a:tailEnd type="none" w="med" len="med"/>
+                    </a:lnT>
+                    <a:lnB w="12700" cap="flat" cmpd="sng" algn="ctr">
+                      <a:solidFill>
+                        <a:schemeClr val="tx1"/>
+                      </a:solidFill>
+                      <a:prstDash val="solid"/>
+                      <a:round/>
+                      <a:headEnd type="none" w="med" len="med"/>
+                      <a:tailEnd type="none" w="med" len="med"/>
+                    </a:lnB>
+                  </a:tcPr>
+                </a:tc>
+                <a:tc>
+                  <a:txBody>
+                    <a:bodyPr/>
+                    <a:lstStyle/>
+                    <a:p>
+                      <a:pPr marL="0" marR="0" lvl="0" indent="0" algn="ctr" defTabSz="914400" rtl="0" eaLnBrk="1" fontAlgn="auto" latinLnBrk="0" hangingPunct="1">
+                        <a:lnSpc>
+                          <a:spcPct val="100000"/>
+                        </a:lnSpc>
+                        <a:spcBef>
+                          <a:spcPts val="0"/>
+                        </a:spcBef>
+                        <a:spcAft>
+                          <a:spcPts val="0"/>
+                        </a:spcAft>
+                        <a:buClrTx/>
+                        <a:buSzTx/>
+                        <a:buFontTx/>
+                        <a:buNone/>
+                        <a:tabLst/>
+                        <a:defRPr/>
+                      </a:pPr>
+                      <a:r>
+                        <a:rPr kumimoji="0" lang="pt-PT" sz="1800" b="0" i="0" u="none" strike="noStrike" kern="1200" cap="none" spc="0" normalizeH="0" baseline="0" noProof="0" dirty="0">
+                          <a:ln>
+                            <a:noFill/>
+                          </a:ln>
+                          <a:solidFill>
+                            <a:prstClr val="black"/>
+                          </a:solidFill>
+                          <a:effectLst/>
+                          <a:uLnTx/>
+                          <a:uFillTx/>
+                          <a:latin typeface="Kozuka Gothic Pro R"/>
+                          <a:ea typeface="+mn-ea"/>
+                          <a:cs typeface="+mn-cs"/>
+                        </a:rPr>
+                        <a:t>YES</a:t>
+                      </a:r>
+                    </a:p>
+                  </a:txBody>
+                  <a:tcPr>
+                    <a:lnL w="12700" cap="flat" cmpd="sng" algn="ctr">
+                      <a:solidFill>
+                        <a:schemeClr val="tx1"/>
+                      </a:solidFill>
+                      <a:prstDash val="solid"/>
+                      <a:round/>
+                      <a:headEnd type="none" w="med" len="med"/>
+                      <a:tailEnd type="none" w="med" len="med"/>
+                    </a:lnL>
+                    <a:lnR w="12700" cap="flat" cmpd="sng" algn="ctr">
+                      <a:solidFill>
+                        <a:schemeClr val="tx1"/>
+                      </a:solidFill>
+                      <a:prstDash val="solid"/>
+                      <a:round/>
+                      <a:headEnd type="none" w="med" len="med"/>
+                      <a:tailEnd type="none" w="med" len="med"/>
+                    </a:lnR>
+                    <a:lnT w="12700" cap="flat" cmpd="sng" algn="ctr">
+                      <a:solidFill>
+                        <a:schemeClr val="tx1"/>
+                      </a:solidFill>
+                      <a:prstDash val="solid"/>
+                      <a:round/>
+                      <a:headEnd type="none" w="med" len="med"/>
+                      <a:tailEnd type="none" w="med" len="med"/>
+                    </a:lnT>
+                    <a:lnB w="12700" cap="flat" cmpd="sng" algn="ctr">
+                      <a:solidFill>
+                        <a:schemeClr val="tx1"/>
+                      </a:solidFill>
+                      <a:prstDash val="solid"/>
+                      <a:round/>
+                      <a:headEnd type="none" w="med" len="med"/>
+                      <a:tailEnd type="none" w="med" len="med"/>
+                    </a:lnB>
+                  </a:tcPr>
+                </a:tc>
+                <a:tc>
+                  <a:txBody>
+                    <a:bodyPr/>
+                    <a:lstStyle/>
+                    <a:p>
+                      <a:endParaRPr lang="pt-PT"/>
+                    </a:p>
+                  </a:txBody>
+                  <a:tcPr>
+                    <a:lnL w="12700" cap="flat" cmpd="sng" algn="ctr">
+                      <a:solidFill>
+                        <a:schemeClr val="tx1"/>
+                      </a:solidFill>
+                      <a:prstDash val="solid"/>
+                      <a:round/>
+                      <a:headEnd type="none" w="med" len="med"/>
+                      <a:tailEnd type="none" w="med" len="med"/>
+                    </a:lnL>
+                    <a:lnR w="12700" cap="flat" cmpd="sng" algn="ctr">
+                      <a:solidFill>
+                        <a:schemeClr val="tx1"/>
+                      </a:solidFill>
+                      <a:prstDash val="solid"/>
+                      <a:round/>
+                      <a:headEnd type="none" w="med" len="med"/>
+                      <a:tailEnd type="none" w="med" len="med"/>
+                    </a:lnR>
+                    <a:lnT w="12700" cap="flat" cmpd="sng" algn="ctr">
+                      <a:solidFill>
+                        <a:schemeClr val="tx1"/>
+                      </a:solidFill>
+                      <a:prstDash val="solid"/>
+                      <a:round/>
+                      <a:headEnd type="none" w="med" len="med"/>
+                      <a:tailEnd type="none" w="med" len="med"/>
+                    </a:lnT>
+                    <a:lnB w="12700" cap="flat" cmpd="sng" algn="ctr">
+                      <a:solidFill>
+                        <a:schemeClr val="tx1"/>
+                      </a:solidFill>
+                      <a:prstDash val="solid"/>
+                      <a:round/>
+                      <a:headEnd type="none" w="med" len="med"/>
+                      <a:tailEnd type="none" w="med" len="med"/>
+                    </a:lnB>
+                  </a:tcPr>
+                </a:tc>
+                <a:tc>
+                  <a:txBody>
+                    <a:bodyPr/>
+                    <a:lstStyle/>
+                    <a:p>
+                      <a:endParaRPr lang="pt-PT" dirty="0"/>
                     </a:p>
                   </a:txBody>
                   <a:tcPr>
@@ -14418,100 +14621,6 @@
                     <a:bodyPr/>
                     <a:lstStyle/>
                     <a:p>
-                      <a:endParaRPr lang="pt-PT"/>
-                    </a:p>
-                  </a:txBody>
-                  <a:tcPr>
-                    <a:lnL w="12700" cap="flat" cmpd="sng" algn="ctr">
-                      <a:solidFill>
-                        <a:schemeClr val="tx1"/>
-                      </a:solidFill>
-                      <a:prstDash val="solid"/>
-                      <a:round/>
-                      <a:headEnd type="none" w="med" len="med"/>
-                      <a:tailEnd type="none" w="med" len="med"/>
-                    </a:lnL>
-                    <a:lnR w="12700" cap="flat" cmpd="sng" algn="ctr">
-                      <a:solidFill>
-                        <a:schemeClr val="tx1"/>
-                      </a:solidFill>
-                      <a:prstDash val="solid"/>
-                      <a:round/>
-                      <a:headEnd type="none" w="med" len="med"/>
-                      <a:tailEnd type="none" w="med" len="med"/>
-                    </a:lnR>
-                    <a:lnT w="12700" cap="flat" cmpd="sng" algn="ctr">
-                      <a:solidFill>
-                        <a:schemeClr val="tx1"/>
-                      </a:solidFill>
-                      <a:prstDash val="solid"/>
-                      <a:round/>
-                      <a:headEnd type="none" w="med" len="med"/>
-                      <a:tailEnd type="none" w="med" len="med"/>
-                    </a:lnT>
-                    <a:lnB w="12700" cap="flat" cmpd="sng" algn="ctr">
-                      <a:solidFill>
-                        <a:schemeClr val="tx1"/>
-                      </a:solidFill>
-                      <a:prstDash val="solid"/>
-                      <a:round/>
-                      <a:headEnd type="none" w="med" len="med"/>
-                      <a:tailEnd type="none" w="med" len="med"/>
-                    </a:lnB>
-                  </a:tcPr>
-                </a:tc>
-                <a:tc>
-                  <a:txBody>
-                    <a:bodyPr/>
-                    <a:lstStyle/>
-                    <a:p>
-                      <a:endParaRPr lang="pt-PT" dirty="0"/>
-                    </a:p>
-                  </a:txBody>
-                  <a:tcPr>
-                    <a:lnL w="12700" cap="flat" cmpd="sng" algn="ctr">
-                      <a:solidFill>
-                        <a:schemeClr val="tx1"/>
-                      </a:solidFill>
-                      <a:prstDash val="solid"/>
-                      <a:round/>
-                      <a:headEnd type="none" w="med" len="med"/>
-                      <a:tailEnd type="none" w="med" len="med"/>
-                    </a:lnL>
-                    <a:lnR w="12700" cap="flat" cmpd="sng" algn="ctr">
-                      <a:solidFill>
-                        <a:schemeClr val="tx1"/>
-                      </a:solidFill>
-                      <a:prstDash val="solid"/>
-                      <a:round/>
-                      <a:headEnd type="none" w="med" len="med"/>
-                      <a:tailEnd type="none" w="med" len="med"/>
-                    </a:lnR>
-                    <a:lnT w="12700" cap="flat" cmpd="sng" algn="ctr">
-                      <a:solidFill>
-                        <a:schemeClr val="tx1"/>
-                      </a:solidFill>
-                      <a:prstDash val="solid"/>
-                      <a:round/>
-                      <a:headEnd type="none" w="med" len="med"/>
-                      <a:tailEnd type="none" w="med" len="med"/>
-                    </a:lnT>
-                    <a:lnB w="12700" cap="flat" cmpd="sng" algn="ctr">
-                      <a:solidFill>
-                        <a:schemeClr val="tx1"/>
-                      </a:solidFill>
-                      <a:prstDash val="solid"/>
-                      <a:round/>
-                      <a:headEnd type="none" w="med" len="med"/>
-                      <a:tailEnd type="none" w="med" len="med"/>
-                    </a:lnB>
-                  </a:tcPr>
-                </a:tc>
-                <a:tc>
-                  <a:txBody>
-                    <a:bodyPr/>
-                    <a:lstStyle/>
-                    <a:p>
                       <a:pPr marL="0" marR="0" lvl="0" indent="0" algn="ctr" defTabSz="914400" rtl="0" eaLnBrk="1" fontAlgn="auto" latinLnBrk="0" hangingPunct="1">
                         <a:lnSpc>
                           <a:spcPct val="100000"/>
@@ -14529,97 +14638,23 @@
                         <a:tabLst/>
                         <a:defRPr/>
                       </a:pPr>
-                      <a:endParaRPr kumimoji="0" lang="pt-PT" sz="1800" b="0" i="0" u="none" strike="noStrike" kern="1200" cap="none" spc="0" normalizeH="0" baseline="0" noProof="0" dirty="0">
-                        <a:ln>
-                          <a:noFill/>
-                        </a:ln>
-                        <a:solidFill>
-                          <a:prstClr val="black"/>
-                        </a:solidFill>
-                        <a:effectLst/>
-                        <a:uLnTx/>
-                        <a:uFillTx/>
-                        <a:latin typeface="Kozuka Gothic Pro R"/>
-                        <a:ea typeface="+mn-ea"/>
-                        <a:cs typeface="+mn-cs"/>
-                      </a:endParaRPr>
-                    </a:p>
-                  </a:txBody>
-                  <a:tcPr>
-                    <a:lnL w="12700" cap="flat" cmpd="sng" algn="ctr">
-                      <a:solidFill>
-                        <a:schemeClr val="tx1"/>
-                      </a:solidFill>
-                      <a:prstDash val="solid"/>
-                      <a:round/>
-                      <a:headEnd type="none" w="med" len="med"/>
-                      <a:tailEnd type="none" w="med" len="med"/>
-                    </a:lnL>
-                    <a:lnR w="12700" cap="flat" cmpd="sng" algn="ctr">
-                      <a:solidFill>
-                        <a:schemeClr val="tx1"/>
-                      </a:solidFill>
-                      <a:prstDash val="solid"/>
-                      <a:round/>
-                      <a:headEnd type="none" w="med" len="med"/>
-                      <a:tailEnd type="none" w="med" len="med"/>
-                    </a:lnR>
-                    <a:lnT w="12700" cap="flat" cmpd="sng" algn="ctr">
-                      <a:solidFill>
-                        <a:schemeClr val="tx1"/>
-                      </a:solidFill>
-                      <a:prstDash val="solid"/>
-                      <a:round/>
-                      <a:headEnd type="none" w="med" len="med"/>
-                      <a:tailEnd type="none" w="med" len="med"/>
-                    </a:lnT>
-                    <a:lnB w="12700" cap="flat" cmpd="sng" algn="ctr">
-                      <a:solidFill>
-                        <a:schemeClr val="tx1"/>
-                      </a:solidFill>
-                      <a:prstDash val="solid"/>
-                      <a:round/>
-                      <a:headEnd type="none" w="med" len="med"/>
-                      <a:tailEnd type="none" w="med" len="med"/>
-                    </a:lnB>
-                  </a:tcPr>
-                </a:tc>
-                <a:tc>
-                  <a:txBody>
-                    <a:bodyPr/>
-                    <a:lstStyle/>
-                    <a:p>
-                      <a:pPr marL="0" marR="0" lvl="0" indent="0" algn="ctr" defTabSz="914400" rtl="0" eaLnBrk="1" fontAlgn="auto" latinLnBrk="0" hangingPunct="1">
-                        <a:lnSpc>
-                          <a:spcPct val="100000"/>
-                        </a:lnSpc>
-                        <a:spcBef>
-                          <a:spcPts val="0"/>
-                        </a:spcBef>
-                        <a:spcAft>
-                          <a:spcPts val="0"/>
-                        </a:spcAft>
-                        <a:buClrTx/>
-                        <a:buSzTx/>
-                        <a:buFontTx/>
-                        <a:buNone/>
-                        <a:tabLst/>
-                        <a:defRPr/>
-                      </a:pPr>
-                      <a:endParaRPr kumimoji="0" lang="pt-PT" sz="1800" b="0" i="0" u="none" strike="noStrike" kern="1200" cap="none" spc="0" normalizeH="0" baseline="0" noProof="0" dirty="0">
-                        <a:ln>
-                          <a:noFill/>
-                        </a:ln>
-                        <a:solidFill>
-                          <a:prstClr val="black"/>
-                        </a:solidFill>
-                        <a:effectLst/>
-                        <a:uLnTx/>
-                        <a:uFillTx/>
-                        <a:latin typeface="Kozuka Gothic Pro R"/>
-                        <a:ea typeface="+mn-ea"/>
-                        <a:cs typeface="+mn-cs"/>
-                      </a:endParaRPr>
+                      <a:r>
+                        <a:rPr kumimoji="0" lang="pt-PT" sz="1800" b="0" i="0" u="none" strike="noStrike" kern="1200" cap="none" spc="0" normalizeH="0" baseline="0" noProof="0" dirty="0">
+                          <a:ln>
+                            <a:noFill/>
+                          </a:ln>
+                          <a:solidFill>
+                            <a:prstClr val="black"/>
+                          </a:solidFill>
+                          <a:effectLst/>
+                          <a:uLnTx/>
+                          <a:uFillTx/>
+                          <a:latin typeface="Kozuka Gothic Pro R"/>
+                          <a:ea typeface="+mn-ea"/>
+                          <a:cs typeface="+mn-cs"/>
+                        </a:rPr>
+                        <a:t>YES</a:t>
+                      </a:r>
                     </a:p>
                   </a:txBody>
                   <a:tcPr>
@@ -14714,7 +14749,7 @@
                   </a:ext>
                 </a:extLst>
               </a:tr>
-              <a:tr h="363000">
+              <a:tr h="332046">
                 <a:tc>
                   <a:txBody>
                     <a:bodyPr/>
@@ -14817,20 +14852,23 @@
                         <a:tabLst/>
                         <a:defRPr/>
                       </a:pPr>
-                      <a:endParaRPr kumimoji="0" lang="pt-PT" sz="1800" b="0" i="0" u="none" strike="noStrike" kern="1200" cap="none" spc="0" normalizeH="0" baseline="0" noProof="0" dirty="0">
-                        <a:ln>
-                          <a:noFill/>
-                        </a:ln>
-                        <a:solidFill>
-                          <a:prstClr val="black"/>
-                        </a:solidFill>
-                        <a:effectLst/>
-                        <a:uLnTx/>
-                        <a:uFillTx/>
-                        <a:latin typeface="Kozuka Gothic Pro R"/>
-                        <a:ea typeface="+mn-ea"/>
-                        <a:cs typeface="+mn-cs"/>
-                      </a:endParaRPr>
+                      <a:r>
+                        <a:rPr kumimoji="0" lang="pt-PT" sz="1800" b="0" i="0" u="none" strike="noStrike" kern="1200" cap="none" spc="0" normalizeH="0" baseline="0" noProof="0" dirty="0">
+                          <a:ln>
+                            <a:noFill/>
+                          </a:ln>
+                          <a:solidFill>
+                            <a:prstClr val="black"/>
+                          </a:solidFill>
+                          <a:effectLst/>
+                          <a:uLnTx/>
+                          <a:uFillTx/>
+                          <a:latin typeface="Kozuka Gothic Pro R"/>
+                          <a:ea typeface="+mn-ea"/>
+                          <a:cs typeface="+mn-cs"/>
+                        </a:rPr>
+                        <a:t>YES</a:t>
+                      </a:r>
                     </a:p>
                   </a:txBody>
                   <a:tcPr>
@@ -15071,20 +15109,23 @@
                         <a:tabLst/>
                         <a:defRPr/>
                       </a:pPr>
-                      <a:endParaRPr kumimoji="0" lang="pt-PT" sz="1800" b="0" i="0" u="none" strike="noStrike" kern="1200" cap="none" spc="0" normalizeH="0" baseline="0" noProof="0" dirty="0">
-                        <a:ln>
-                          <a:noFill/>
-                        </a:ln>
-                        <a:solidFill>
-                          <a:prstClr val="black"/>
-                        </a:solidFill>
-                        <a:effectLst/>
-                        <a:uLnTx/>
-                        <a:uFillTx/>
-                        <a:latin typeface="Kozuka Gothic Pro R"/>
-                        <a:ea typeface="+mn-ea"/>
-                        <a:cs typeface="+mn-cs"/>
-                      </a:endParaRPr>
+                      <a:r>
+                        <a:rPr kumimoji="0" lang="pt-PT" sz="1800" b="0" i="0" u="none" strike="noStrike" kern="1200" cap="none" spc="0" normalizeH="0" baseline="0" noProof="0" dirty="0">
+                          <a:ln>
+                            <a:noFill/>
+                          </a:ln>
+                          <a:solidFill>
+                            <a:prstClr val="black"/>
+                          </a:solidFill>
+                          <a:effectLst/>
+                          <a:uLnTx/>
+                          <a:uFillTx/>
+                          <a:latin typeface="Kozuka Gothic Pro R"/>
+                          <a:ea typeface="+mn-ea"/>
+                          <a:cs typeface="+mn-cs"/>
+                        </a:rPr>
+                        <a:t>YES</a:t>
+                      </a:r>
                     </a:p>
                   </a:txBody>
                   <a:tcPr>
@@ -15182,7 +15223,7 @@
                   </a:ext>
                 </a:extLst>
               </a:tr>
-              <a:tr h="363000">
+              <a:tr h="332046">
                 <a:tc>
                   <a:txBody>
                     <a:bodyPr/>
@@ -15285,20 +15326,23 @@
                         <a:tabLst/>
                         <a:defRPr/>
                       </a:pPr>
-                      <a:endParaRPr kumimoji="0" lang="pt-PT" sz="1800" b="0" i="0" u="none" strike="noStrike" kern="1200" cap="none" spc="0" normalizeH="0" baseline="0" noProof="0" dirty="0">
-                        <a:ln>
-                          <a:noFill/>
-                        </a:ln>
-                        <a:solidFill>
-                          <a:prstClr val="black"/>
-                        </a:solidFill>
-                        <a:effectLst/>
-                        <a:uLnTx/>
-                        <a:uFillTx/>
-                        <a:latin typeface="Kozuka Gothic Pro R"/>
-                        <a:ea typeface="+mn-ea"/>
-                        <a:cs typeface="+mn-cs"/>
-                      </a:endParaRPr>
+                      <a:r>
+                        <a:rPr kumimoji="0" lang="pt-PT" sz="1800" b="0" i="0" u="none" strike="noStrike" kern="1200" cap="none" spc="0" normalizeH="0" baseline="0" noProof="0" dirty="0">
+                          <a:ln>
+                            <a:noFill/>
+                          </a:ln>
+                          <a:solidFill>
+                            <a:prstClr val="black"/>
+                          </a:solidFill>
+                          <a:effectLst/>
+                          <a:uLnTx/>
+                          <a:uFillTx/>
+                          <a:latin typeface="Kozuka Gothic Pro R"/>
+                          <a:ea typeface="+mn-ea"/>
+                          <a:cs typeface="+mn-cs"/>
+                        </a:rPr>
+                        <a:t>YES</a:t>
+                      </a:r>
                     </a:p>
                   </a:txBody>
                   <a:tcPr>
@@ -15539,20 +15583,23 @@
                         <a:tabLst/>
                         <a:defRPr/>
                       </a:pPr>
-                      <a:endParaRPr kumimoji="0" lang="pt-PT" sz="1800" b="0" i="0" u="none" strike="noStrike" kern="1200" cap="none" spc="0" normalizeH="0" baseline="0" noProof="0" dirty="0">
-                        <a:ln>
-                          <a:noFill/>
-                        </a:ln>
-                        <a:solidFill>
-                          <a:prstClr val="black"/>
-                        </a:solidFill>
-                        <a:effectLst/>
-                        <a:uLnTx/>
-                        <a:uFillTx/>
-                        <a:latin typeface="Kozuka Gothic Pro R"/>
-                        <a:ea typeface="+mn-ea"/>
-                        <a:cs typeface="+mn-cs"/>
-                      </a:endParaRPr>
+                      <a:r>
+                        <a:rPr kumimoji="0" lang="pt-PT" sz="1800" b="0" i="0" u="none" strike="noStrike" kern="1200" cap="none" spc="0" normalizeH="0" baseline="0" noProof="0" dirty="0">
+                          <a:ln>
+                            <a:noFill/>
+                          </a:ln>
+                          <a:solidFill>
+                            <a:prstClr val="black"/>
+                          </a:solidFill>
+                          <a:effectLst/>
+                          <a:uLnTx/>
+                          <a:uFillTx/>
+                          <a:latin typeface="Kozuka Gothic Pro R"/>
+                          <a:ea typeface="+mn-ea"/>
+                          <a:cs typeface="+mn-cs"/>
+                        </a:rPr>
+                        <a:t>YES</a:t>
+                      </a:r>
                     </a:p>
                   </a:txBody>
                   <a:tcPr>
@@ -15650,7 +15697,7 @@
                   </a:ext>
                 </a:extLst>
               </a:tr>
-              <a:tr h="363000">
+              <a:tr h="332046">
                 <a:tc>
                   <a:txBody>
                     <a:bodyPr/>
@@ -15739,7 +15786,10 @@
                       <a:pPr lvl="0" algn="ctr">
                         <a:buNone/>
                       </a:pPr>
-                      <a:endParaRPr lang="pt-PT" dirty="0"/>
+                      <a:r>
+                        <a:rPr lang="pt-PT" dirty="0"/>
+                        <a:t>YES</a:t>
+                      </a:r>
                     </a:p>
                   </a:txBody>
                   <a:tcPr>
@@ -15953,20 +16003,23 @@
                         <a:tabLst/>
                         <a:defRPr/>
                       </a:pPr>
-                      <a:endParaRPr kumimoji="0" lang="pt-PT" sz="1800" b="0" i="0" u="none" strike="noStrike" kern="1200" cap="none" spc="0" normalizeH="0" baseline="0" noProof="0" dirty="0">
-                        <a:ln>
-                          <a:noFill/>
-                        </a:ln>
-                        <a:solidFill>
-                          <a:prstClr val="black"/>
-                        </a:solidFill>
-                        <a:effectLst/>
-                        <a:uLnTx/>
-                        <a:uFillTx/>
-                        <a:latin typeface="Kozuka Gothic Pro R"/>
-                        <a:ea typeface="+mn-ea"/>
-                        <a:cs typeface="+mn-cs"/>
-                      </a:endParaRPr>
+                      <a:r>
+                        <a:rPr kumimoji="0" lang="pt-PT" sz="1800" b="0" i="0" u="none" strike="noStrike" kern="1200" cap="none" spc="0" normalizeH="0" baseline="0" noProof="0" dirty="0">
+                          <a:ln>
+                            <a:noFill/>
+                          </a:ln>
+                          <a:solidFill>
+                            <a:prstClr val="black"/>
+                          </a:solidFill>
+                          <a:effectLst/>
+                          <a:uLnTx/>
+                          <a:uFillTx/>
+                          <a:latin typeface="Kozuka Gothic Pro R"/>
+                          <a:ea typeface="+mn-ea"/>
+                          <a:cs typeface="+mn-cs"/>
+                        </a:rPr>
+                        <a:t>YES</a:t>
+                      </a:r>
                     </a:p>
                   </a:txBody>
                   <a:tcPr>
@@ -16064,7 +16117,7 @@
                   </a:ext>
                 </a:extLst>
               </a:tr>
-              <a:tr h="363000">
+              <a:tr h="332046">
                 <a:tc>
                   <a:txBody>
                     <a:bodyPr/>
@@ -16167,20 +16220,23 @@
                         <a:tabLst/>
                         <a:defRPr/>
                       </a:pPr>
-                      <a:endParaRPr kumimoji="0" lang="pt-PT" sz="1800" b="0" i="0" u="none" strike="noStrike" kern="1200" cap="none" spc="0" normalizeH="0" baseline="0" noProof="0" dirty="0">
-                        <a:ln>
-                          <a:noFill/>
-                        </a:ln>
-                        <a:solidFill>
-                          <a:prstClr val="black"/>
-                        </a:solidFill>
-                        <a:effectLst/>
-                        <a:uLnTx/>
-                        <a:uFillTx/>
-                        <a:latin typeface="Kozuka Gothic Pro R"/>
-                        <a:ea typeface="+mn-ea"/>
-                        <a:cs typeface="+mn-cs"/>
-                      </a:endParaRPr>
+                      <a:r>
+                        <a:rPr kumimoji="0" lang="pt-PT" sz="1800" b="0" i="0" u="none" strike="noStrike" kern="1200" cap="none" spc="0" normalizeH="0" baseline="0" noProof="0" dirty="0">
+                          <a:ln>
+                            <a:noFill/>
+                          </a:ln>
+                          <a:solidFill>
+                            <a:prstClr val="black"/>
+                          </a:solidFill>
+                          <a:effectLst/>
+                          <a:uLnTx/>
+                          <a:uFillTx/>
+                          <a:latin typeface="Kozuka Gothic Pro R"/>
+                          <a:ea typeface="+mn-ea"/>
+                          <a:cs typeface="+mn-cs"/>
+                        </a:rPr>
+                        <a:t>YES</a:t>
+                      </a:r>
                     </a:p>
                   </a:txBody>
                   <a:tcPr>
@@ -16408,20 +16464,23 @@
                         <a:tabLst/>
                         <a:defRPr/>
                       </a:pPr>
-                      <a:endParaRPr kumimoji="0" lang="pt-PT" sz="1800" b="0" i="0" u="none" strike="noStrike" kern="1200" cap="none" spc="0" normalizeH="0" baseline="0" noProof="0" dirty="0">
-                        <a:ln>
-                          <a:noFill/>
-                        </a:ln>
-                        <a:solidFill>
-                          <a:prstClr val="black"/>
-                        </a:solidFill>
-                        <a:effectLst/>
-                        <a:uLnTx/>
-                        <a:uFillTx/>
-                        <a:latin typeface="Kozuka Gothic Pro R"/>
-                        <a:ea typeface="+mn-ea"/>
-                        <a:cs typeface="+mn-cs"/>
-                      </a:endParaRPr>
+                      <a:r>
+                        <a:rPr kumimoji="0" lang="pt-PT" sz="1800" b="0" i="0" u="none" strike="noStrike" kern="1200" cap="none" spc="0" normalizeH="0" baseline="0" noProof="0" dirty="0">
+                          <a:ln>
+                            <a:noFill/>
+                          </a:ln>
+                          <a:solidFill>
+                            <a:prstClr val="black"/>
+                          </a:solidFill>
+                          <a:effectLst/>
+                          <a:uLnTx/>
+                          <a:uFillTx/>
+                          <a:latin typeface="Kozuka Gothic Pro R"/>
+                          <a:ea typeface="+mn-ea"/>
+                          <a:cs typeface="+mn-cs"/>
+                        </a:rPr>
+                        <a:t>YES</a:t>
+                      </a:r>
                     </a:p>
                   </a:txBody>
                   <a:tcPr>
@@ -16519,7 +16578,7 @@
                   </a:ext>
                 </a:extLst>
               </a:tr>
-              <a:tr h="363000">
+              <a:tr h="332046">
                 <a:tc>
                   <a:txBody>
                     <a:bodyPr/>
@@ -16974,7 +17033,7 @@
                   </a:ext>
                 </a:extLst>
               </a:tr>
-              <a:tr h="363000">
+              <a:tr h="332046">
                 <a:tc>
                   <a:txBody>
                     <a:bodyPr/>
@@ -17442,7 +17501,7 @@
                   </a:ext>
                 </a:extLst>
               </a:tr>
-              <a:tr h="363000">
+              <a:tr h="332046">
                 <a:tc>
                   <a:txBody>
                     <a:bodyPr/>
@@ -17910,7 +17969,7 @@
                   </a:ext>
                 </a:extLst>
               </a:tr>
-              <a:tr h="363000">
+              <a:tr h="332046">
                 <a:tc>
                   <a:txBody>
                     <a:bodyPr/>
@@ -18475,7 +18534,7 @@
           <p:nvPr>
             <p:extLst>
               <p:ext uri="{D42A27DB-BD31-4B8C-83A1-F6EECF244321}">
-                <p14:modId xmlns:p14="http://schemas.microsoft.com/office/powerpoint/2010/main" val="760178376"/>
+                <p14:modId xmlns:p14="http://schemas.microsoft.com/office/powerpoint/2010/main" val="3933992112"/>
               </p:ext>
             </p:extLst>
           </p:nvPr>
@@ -19044,7 +19103,10 @@
                       <a:pPr lvl="0" algn="ctr">
                         <a:buNone/>
                       </a:pPr>
-                      <a:endParaRPr lang="pt-PT" sz="1200" dirty="0"/>
+                      <a:r>
+                        <a:rPr lang="pt-PT" sz="1200" dirty="0"/>
+                        <a:t>3</a:t>
+                      </a:r>
                     </a:p>
                   </a:txBody>
                   <a:tcPr/>
@@ -19057,7 +19119,10 @@
                       <a:pPr lvl="0" algn="ctr">
                         <a:buNone/>
                       </a:pPr>
-                      <a:endParaRPr lang="pt-PT" sz="1200" dirty="0"/>
+                      <a:r>
+                        <a:rPr lang="pt-PT" sz="1200" dirty="0"/>
+                        <a:t>10</a:t>
+                      </a:r>
                     </a:p>
                   </a:txBody>
                   <a:tcPr/>
@@ -19070,7 +19135,10 @@
                       <a:pPr lvl="0" algn="ctr">
                         <a:buNone/>
                       </a:pPr>
-                      <a:endParaRPr lang="pt-PT" sz="1200" dirty="0"/>
+                      <a:r>
+                        <a:rPr lang="pt-PT" sz="1200" dirty="0"/>
+                        <a:t>3</a:t>
+                      </a:r>
                     </a:p>
                   </a:txBody>
                   <a:tcPr/>
@@ -19083,7 +19151,10 @@
                       <a:pPr lvl="0" algn="ctr">
                         <a:buNone/>
                       </a:pPr>
-                      <a:endParaRPr lang="pt-PT" sz="1200" dirty="0"/>
+                      <a:r>
+                        <a:rPr lang="pt-PT" sz="1200" dirty="0"/>
+                        <a:t>6</a:t>
+                      </a:r>
                     </a:p>
                   </a:txBody>
                   <a:tcPr/>
@@ -19096,7 +19167,10 @@
                       <a:pPr lvl="0" algn="ctr">
                         <a:buNone/>
                       </a:pPr>
-                      <a:endParaRPr lang="pt-PT" sz="1200" dirty="0"/>
+                      <a:r>
+                        <a:rPr lang="pt-PT" sz="1200" dirty="0"/>
+                        <a:t>62.5</a:t>
+                      </a:r>
                     </a:p>
                   </a:txBody>
                   <a:tcPr/>
@@ -19109,7 +19183,10 @@
                       <a:pPr lvl="0" algn="ctr">
                         <a:buNone/>
                       </a:pPr>
-                      <a:endParaRPr lang="pt-PT" sz="1200" dirty="0"/>
+                      <a:r>
+                        <a:rPr lang="pt-PT" sz="1200" dirty="0"/>
+                        <a:t>68</a:t>
+                      </a:r>
                     </a:p>
                   </a:txBody>
                   <a:tcPr/>
@@ -19170,7 +19247,10 @@
                       <a:pPr lvl="0" algn="ctr">
                         <a:buNone/>
                       </a:pPr>
-                      <a:endParaRPr lang="pt-PT" sz="1200" dirty="0"/>
+                      <a:r>
+                        <a:rPr lang="pt-PT" sz="1200" dirty="0"/>
+                        <a:t>5</a:t>
+                      </a:r>
                     </a:p>
                   </a:txBody>
                   <a:tcPr/>
@@ -19183,7 +19263,10 @@
                       <a:pPr lvl="0" algn="ctr">
                         <a:buNone/>
                       </a:pPr>
-                      <a:endParaRPr lang="pt-PT" sz="1200" dirty="0"/>
+                      <a:r>
+                        <a:rPr lang="pt-PT" sz="1200" dirty="0"/>
+                        <a:t>0</a:t>
+                      </a:r>
                     </a:p>
                   </a:txBody>
                   <a:tcPr/>
@@ -19196,7 +19279,10 @@
                       <a:pPr lvl="0" algn="ctr">
                         <a:buNone/>
                       </a:pPr>
-                      <a:endParaRPr lang="pt-PT" sz="1200" dirty="0"/>
+                      <a:r>
+                        <a:rPr lang="pt-PT" sz="1200" dirty="0"/>
+                        <a:t>5</a:t>
+                      </a:r>
                     </a:p>
                   </a:txBody>
                   <a:tcPr/>
@@ -19209,7 +19295,10 @@
                       <a:pPr lvl="0" algn="ctr">
                         <a:buNone/>
                       </a:pPr>
-                      <a:endParaRPr lang="pt-PT" sz="1200" dirty="0"/>
+                      <a:r>
+                        <a:rPr lang="pt-PT" sz="1200" dirty="0"/>
+                        <a:t>0</a:t>
+                      </a:r>
                     </a:p>
                   </a:txBody>
                   <a:tcPr/>
@@ -19222,7 +19311,10 @@
                       <a:pPr lvl="0" algn="ctr">
                         <a:buNone/>
                       </a:pPr>
-                      <a:endParaRPr lang="pt-PT" sz="1200" dirty="0"/>
+                      <a:r>
+                        <a:rPr lang="pt-PT" sz="1200" dirty="0"/>
+                        <a:t>-</a:t>
+                      </a:r>
                     </a:p>
                   </a:txBody>
                   <a:tcPr/>
@@ -19235,7 +19327,10 @@
                       <a:pPr lvl="0" algn="ctr">
                         <a:buNone/>
                       </a:pPr>
-                      <a:endParaRPr lang="pt-PT" sz="1200" dirty="0"/>
+                      <a:r>
+                        <a:rPr lang="pt-PT" sz="1200" dirty="0"/>
+                        <a:t>100</a:t>
+                      </a:r>
                     </a:p>
                   </a:txBody>
                   <a:tcPr/>
@@ -19307,7 +19402,10 @@
                       <a:pPr lvl="0" algn="ctr">
                         <a:buNone/>
                       </a:pPr>
-                      <a:endParaRPr lang="pt-PT" sz="1200" dirty="0"/>
+                      <a:r>
+                        <a:rPr lang="pt-PT" sz="1200" dirty="0"/>
+                        <a:t>3</a:t>
+                      </a:r>
                     </a:p>
                   </a:txBody>
                   <a:tcPr/>
@@ -19320,7 +19418,10 @@
                       <a:pPr lvl="0" algn="ctr">
                         <a:buNone/>
                       </a:pPr>
-                      <a:endParaRPr lang="pt-PT" sz="1200" dirty="0"/>
+                      <a:r>
+                        <a:rPr lang="pt-PT" sz="1200" dirty="0"/>
+                        <a:t>31</a:t>
+                      </a:r>
                     </a:p>
                   </a:txBody>
                   <a:tcPr/>
@@ -19333,7 +19434,10 @@
                       <a:pPr lvl="0" algn="ctr">
                         <a:buNone/>
                       </a:pPr>
-                      <a:endParaRPr lang="pt-PT" sz="1200" dirty="0"/>
+                      <a:r>
+                        <a:rPr lang="pt-PT" sz="1200" dirty="0"/>
+                        <a:t>3</a:t>
+                      </a:r>
                     </a:p>
                   </a:txBody>
                   <a:tcPr/>
@@ -19346,7 +19450,10 @@
                       <a:pPr lvl="0" algn="ctr">
                         <a:buNone/>
                       </a:pPr>
-                      <a:endParaRPr lang="pt-PT" sz="1200" dirty="0"/>
+                      <a:r>
+                        <a:rPr lang="pt-PT" sz="1200" dirty="0"/>
+                        <a:t>6</a:t>
+                      </a:r>
                     </a:p>
                   </a:txBody>
                   <a:tcPr/>
@@ -19359,7 +19466,10 @@
                       <a:pPr lvl="0" algn="ctr">
                         <a:buNone/>
                       </a:pPr>
-                      <a:endParaRPr lang="pt-PT" sz="1200" dirty="0"/>
+                      <a:r>
+                        <a:rPr lang="pt-PT" sz="1200" dirty="0"/>
+                        <a:t>61</a:t>
+                      </a:r>
                     </a:p>
                   </a:txBody>
                   <a:tcPr/>
@@ -19372,7 +19482,10 @@
                       <a:pPr lvl="0" algn="ctr">
                         <a:buNone/>
                       </a:pPr>
-                      <a:endParaRPr lang="pt-PT" sz="1200" dirty="0"/>
+                      <a:r>
+                        <a:rPr lang="pt-PT" sz="1200" dirty="0"/>
+                        <a:t>63</a:t>
+                      </a:r>
                     </a:p>
                   </a:txBody>
                   <a:tcPr/>
@@ -19598,7 +19711,10 @@
                       <a:pPr lvl="0" algn="ctr">
                         <a:buNone/>
                       </a:pPr>
-                      <a:endParaRPr lang="pt-PT" sz="1200" dirty="0"/>
+                      <a:r>
+                        <a:rPr lang="pt-PT" sz="1200" dirty="0"/>
+                        <a:t>3</a:t>
+                      </a:r>
                     </a:p>
                   </a:txBody>
                   <a:tcPr/>
@@ -19611,7 +19727,10 @@
                       <a:pPr lvl="0" algn="ctr">
                         <a:buNone/>
                       </a:pPr>
-                      <a:endParaRPr lang="pt-PT" sz="1200" dirty="0"/>
+                      <a:r>
+                        <a:rPr lang="pt-PT" sz="1200" dirty="0"/>
+                        <a:t>90</a:t>
+                      </a:r>
                     </a:p>
                   </a:txBody>
                   <a:tcPr/>
@@ -19624,7 +19743,10 @@
                       <a:pPr lvl="0" algn="ctr">
                         <a:buNone/>
                       </a:pPr>
-                      <a:endParaRPr lang="pt-PT" sz="1200" dirty="0"/>
+                      <a:r>
+                        <a:rPr lang="pt-PT" sz="1200" dirty="0"/>
+                        <a:t>3</a:t>
+                      </a:r>
                     </a:p>
                   </a:txBody>
                   <a:tcPr/>
@@ -19637,7 +19759,10 @@
                       <a:pPr lvl="0" algn="ctr">
                         <a:buNone/>
                       </a:pPr>
-                      <a:endParaRPr lang="pt-PT" sz="1200" dirty="0"/>
+                      <a:r>
+                        <a:rPr lang="pt-PT" sz="1200" dirty="0"/>
+                        <a:t>0</a:t>
+                      </a:r>
                     </a:p>
                   </a:txBody>
                   <a:tcPr/>
@@ -19650,7 +19775,10 @@
                       <a:pPr lvl="0" algn="ctr">
                         <a:buNone/>
                       </a:pPr>
-                      <a:endParaRPr lang="pt-PT" sz="1200" dirty="0"/>
+                      <a:r>
+                        <a:rPr lang="pt-PT" sz="1200" dirty="0"/>
+                        <a:t>88</a:t>
+                      </a:r>
                     </a:p>
                   </a:txBody>
                   <a:tcPr/>
@@ -19663,7 +19791,10 @@
                       <a:pPr lvl="0" algn="ctr">
                         <a:buNone/>
                       </a:pPr>
-                      <a:endParaRPr lang="pt-PT" sz="1200" dirty="0"/>
+                      <a:r>
+                        <a:rPr lang="pt-PT" sz="1200" dirty="0"/>
+                        <a:t>88.5</a:t>
+                      </a:r>
                     </a:p>
                   </a:txBody>
                   <a:tcPr/>
@@ -19785,7 +19916,7 @@
           <p:nvPr>
             <p:extLst>
               <p:ext uri="{D42A27DB-BD31-4B8C-83A1-F6EECF244321}">
-                <p14:modId xmlns:p14="http://schemas.microsoft.com/office/powerpoint/2010/main" val="3264106634"/>
+                <p14:modId xmlns:p14="http://schemas.microsoft.com/office/powerpoint/2010/main" val="3867393360"/>
               </p:ext>
             </p:extLst>
           </p:nvPr>
@@ -19907,7 +20038,7 @@
           <p:nvPr>
             <p:extLst>
               <p:ext uri="{D42A27DB-BD31-4B8C-83A1-F6EECF244321}">
-                <p14:modId xmlns:p14="http://schemas.microsoft.com/office/powerpoint/2010/main" val="710518394"/>
+                <p14:modId xmlns:p14="http://schemas.microsoft.com/office/powerpoint/2010/main" val="1307261421"/>
               </p:ext>
             </p:extLst>
           </p:nvPr>
@@ -20183,7 +20314,7 @@
                   <a:schemeClr val="tx1"/>
                 </a:solidFill>
               </a:rPr>
-              <a:t>Date: 4Dec2022</a:t>
+              <a:t>Date: 4Jan2022</a:t>
             </a:r>
           </a:p>
           <a:p>
@@ -20205,18 +20336,13 @@
               <a:buAutoNum type="arabicPeriod"/>
             </a:pPr>
             <a:r>
-              <a:rPr lang="en-US" sz="1800" dirty="0" err="1">
+              <a:rPr lang="en-US" sz="1800" dirty="0">
                 <a:solidFill>
                   <a:schemeClr val="tx1"/>
                 </a:solidFill>
               </a:rPr>
-              <a:t>Xxx</a:t>
+              <a:t>We should communicate more</a:t>
             </a:r>
-            <a:endParaRPr lang="en-US" sz="1800" dirty="0">
-              <a:solidFill>
-                <a:schemeClr val="tx1"/>
-              </a:solidFill>
-            </a:endParaRPr>
           </a:p>
           <a:p>
             <a:pPr marL="457200" indent="-457200">
@@ -20224,18 +20350,13 @@
               <a:buAutoNum type="arabicPeriod"/>
             </a:pPr>
             <a:r>
-              <a:rPr lang="en-US" sz="1800" dirty="0" err="1">
+              <a:rPr lang="en-US" sz="1800" dirty="0">
                 <a:solidFill>
                   <a:schemeClr val="tx1"/>
                 </a:solidFill>
               </a:rPr>
-              <a:t>Yyy</a:t>
+              <a:t>We should give more opinions about the team’s work and each member’s work</a:t>
             </a:r>
-            <a:endParaRPr lang="en-US" sz="1800" dirty="0">
-              <a:solidFill>
-                <a:schemeClr val="tx1"/>
-              </a:solidFill>
-            </a:endParaRPr>
           </a:p>
           <a:p>
             <a:pPr marL="457200" indent="-457200">
@@ -20243,18 +20364,13 @@
               <a:buAutoNum type="arabicPeriod"/>
             </a:pPr>
             <a:r>
-              <a:rPr lang="en-US" sz="1800" dirty="0" err="1">
+              <a:rPr lang="en-US" sz="1800" dirty="0">
                 <a:solidFill>
                   <a:schemeClr val="tx1"/>
                 </a:solidFill>
               </a:rPr>
-              <a:t>Zzz</a:t>
+              <a:t>We should try to not finish some issues on the last days to the delivery of the project</a:t>
             </a:r>
-            <a:endParaRPr lang="en-US" sz="1800" dirty="0">
-              <a:solidFill>
-                <a:schemeClr val="tx1"/>
-              </a:solidFill>
-            </a:endParaRPr>
           </a:p>
           <a:p>
             <a:pPr marL="457200" indent="-457200">
@@ -20884,6 +21000,15 @@
 </file>
 
 <file path=customXml/item2.xml><?xml version="1.0" encoding="utf-8"?>
+<?mso-contentType ?>
+<FormTemplates xmlns="http://schemas.microsoft.com/sharepoint/v3/contenttype/forms">
+  <Display>DocumentLibraryForm</Display>
+  <Edit>DocumentLibraryForm</Edit>
+  <New>DocumentLibraryForm</New>
+</FormTemplates>
+</file>
+
+<file path=customXml/item3.xml><?xml version="1.0" encoding="utf-8"?>
 <ct:contentTypeSchema xmlns:ct="http://schemas.microsoft.com/office/2006/metadata/contentType" xmlns:ma="http://schemas.microsoft.com/office/2006/metadata/properties/metaAttributes" ct:_="" ma:_="" ma:contentTypeName="Document" ma:contentTypeID="0x0101005836243B3C47804EAF5FFDD9F066FCC7" ma:contentTypeVersion="2" ma:contentTypeDescription="Create a new document." ma:contentTypeScope="" ma:versionID="0469372245184f18195408053fbf9b6d">
   <xsd:schema xmlns:xsd="http://www.w3.org/2001/XMLSchema" xmlns:xs="http://www.w3.org/2001/XMLSchema" xmlns:p="http://schemas.microsoft.com/office/2006/metadata/properties" xmlns:ns2="a1e3ca88-8ae5-4fd0-ba37-40ce669fcbb0" targetNamespace="http://schemas.microsoft.com/office/2006/metadata/properties" ma:root="true" ma:fieldsID="15cd5fdf54d7c5df31b4840e959455b1" ns2:_="">
     <xsd:import namespace="a1e3ca88-8ae5-4fd0-ba37-40ce669fcbb0"/>
@@ -21015,15 +21140,6 @@
 </ct:contentTypeSchema>
 </file>
 
-<file path=customXml/item3.xml><?xml version="1.0" encoding="utf-8"?>
-<?mso-contentType ?>
-<FormTemplates xmlns="http://schemas.microsoft.com/sharepoint/v3/contenttype/forms">
-  <Display>DocumentLibraryForm</Display>
-  <Edit>DocumentLibraryForm</Edit>
-  <New>DocumentLibraryForm</New>
-</FormTemplates>
-</file>
-
 <file path=customXml/itemProps1.xml><?xml version="1.0" encoding="utf-8"?>
 <ds:datastoreItem xmlns:ds="http://schemas.openxmlformats.org/officeDocument/2006/customXml" ds:itemID="{E9B87164-EF5F-43C8-917E-48B38ACAFD1E}">
   <ds:schemaRefs>
@@ -21041,6 +21157,14 @@
 </file>
 
 <file path=customXml/itemProps2.xml><?xml version="1.0" encoding="utf-8"?>
+<ds:datastoreItem xmlns:ds="http://schemas.openxmlformats.org/officeDocument/2006/customXml" ds:itemID="{4F984168-AABC-4753-B4EC-59CA9D08839F}">
+  <ds:schemaRefs>
+    <ds:schemaRef ds:uri="http://schemas.microsoft.com/sharepoint/v3/contenttype/forms"/>
+  </ds:schemaRefs>
+</ds:datastoreItem>
+</file>
+
+<file path=customXml/itemProps3.xml><?xml version="1.0" encoding="utf-8"?>
 <ds:datastoreItem xmlns:ds="http://schemas.openxmlformats.org/officeDocument/2006/customXml" ds:itemID="{2092E48C-C6FF-44AE-8C78-D9681B66D30B}">
   <ds:schemaRefs>
     <ds:schemaRef ds:uri="http://schemas.microsoft.com/office/2006/metadata/contentType"/>
@@ -21056,12 +21180,4 @@
     <ds:schemaRef ds:uri="http://schemas.microsoft.com/internal/obd"/>
   </ds:schemaRefs>
 </ds:datastoreItem>
-</file>
-
-<file path=customXml/itemProps3.xml><?xml version="1.0" encoding="utf-8"?>
-<ds:datastoreItem xmlns:ds="http://schemas.openxmlformats.org/officeDocument/2006/customXml" ds:itemID="{4F984168-AABC-4753-B4EC-59CA9D08839F}">
-  <ds:schemaRefs>
-    <ds:schemaRef ds:uri="http://schemas.microsoft.com/sharepoint/v3/contenttype/forms"/>
-  </ds:schemaRefs>
-</ds:datastoreItem>
 </file>
--- a/docs/Sprint3/LAPR3 - Sprint 3 Status Report.pptx
+++ b/docs/Sprint3/LAPR3 - Sprint 3 Status Report.pptx
@@ -1080,7 +1080,15 @@
             </a:pPr>
             <a:r>
               <a:rPr lang="en-US" dirty="0"/>
-              <a:t>Sprint </a:t>
+              <a:t>Sprint 3</a:t>
+            </a:r>
+            <a:r>
+              <a:rPr lang="en-US" baseline="0" dirty="0"/>
+              <a:t> -</a:t>
+            </a:r>
+            <a:r>
+              <a:rPr lang="en-US" dirty="0"/>
+              <a:t> </a:t>
             </a:r>
             <a:r>
               <a:rPr lang="en-US" dirty="0" err="1"/>
@@ -1152,42 +1160,49 @@
             <c:symbol val="none"/>
           </c:marker>
           <c:cat>
-            <c:strRef>
-              <c:f>Folha1!$A$2:$A$5</c:f>
-              <c:strCache>
-                <c:ptCount val="4"/>
-                <c:pt idx="0">
-                  <c:v>dia 1</c:v>
+            <c:numRef>
+              <c:f>Folha1!$A$2:$A$6</c:f>
+              <c:numCache>
+                <c:formatCode>d\-mmm</c:formatCode>
+                <c:ptCount val="5"/>
+                <c:pt idx="0" formatCode="m/d/yyyy">
+                  <c:v>44539</c:v>
                 </c:pt>
                 <c:pt idx="1">
-                  <c:v>dia 5</c:v>
+                  <c:v>44545</c:v>
                 </c:pt>
                 <c:pt idx="2">
-                  <c:v>dia 10</c:v>
+                  <c:v>44547</c:v>
                 </c:pt>
                 <c:pt idx="3">
-                  <c:v>dia 15</c:v>
+                  <c:v>44552</c:v>
                 </c:pt>
-              </c:strCache>
-            </c:strRef>
+                <c:pt idx="4">
+                  <c:v>44564</c:v>
+                </c:pt>
+              </c:numCache>
+            </c:numRef>
           </c:cat>
           <c:val>
             <c:numRef>
-              <c:f>Folha1!$B$2:$B$5</c:f>
+              <c:f>Folha1!$B$2:$B$6</c:f>
               <c:numCache>
                 <c:formatCode>General</c:formatCode>
-                <c:ptCount val="4"/>
+                <c:ptCount val="5"/>
                 <c:pt idx="0">
-                  <c:v>36</c:v>
+                  <c:v>86</c:v>
                 </c:pt>
                 <c:pt idx="1">
-                  <c:v>32</c:v>
+                  <c:v>79</c:v>
                 </c:pt>
                 <c:pt idx="2">
-                  <c:v>22</c:v>
+                  <c:v>72</c:v>
                 </c:pt>
                 <c:pt idx="3">
-                  <c:v>0</c:v>
+                  <c:v>67</c:v>
+                </c:pt>
+                <c:pt idx="4">
+                  <c:v>55</c:v>
                 </c:pt>
               </c:numCache>
             </c:numRef>
@@ -1211,14 +1226,14 @@
         <c:axId val="634089088"/>
         <c:axId val="634090072"/>
       </c:lineChart>
-      <c:catAx>
+      <c:dateAx>
         <c:axId val="634089088"/>
         <c:scaling>
           <c:orientation val="minMax"/>
         </c:scaling>
         <c:delete val="0"/>
         <c:axPos val="b"/>
-        <c:numFmt formatCode="General" sourceLinked="1"/>
+        <c:numFmt formatCode="m/d/yyyy" sourceLinked="1"/>
         <c:majorTickMark val="none"/>
         <c:minorTickMark val="none"/>
         <c:tickLblPos val="nextTo"/>
@@ -1258,10 +1273,9 @@
         <c:crossAx val="634090072"/>
         <c:crosses val="autoZero"/>
         <c:auto val="1"/>
-        <c:lblAlgn val="ctr"/>
         <c:lblOffset val="100"/>
-        <c:noMultiLvlLbl val="0"/>
-      </c:catAx>
+        <c:baseTimeUnit val="days"/>
+      </c:dateAx>
       <c:valAx>
         <c:axId val="634090072"/>
         <c:scaling>
@@ -1420,7 +1434,7 @@
               <c:strCache>
                 <c:ptCount val="1"/>
                 <c:pt idx="0">
-                  <c:v>Métrica 1</c:v>
+                  <c:v>Velocidade</c:v>
                 </c:pt>
               </c:strCache>
             </c:strRef>
@@ -1441,9 +1455,9 @@
           </c:marker>
           <c:cat>
             <c:strRef>
-              <c:f>Folha1!$A$2:$A$5</c:f>
+              <c:f>Folha1!$A$2:$A$4</c:f>
               <c:strCache>
-                <c:ptCount val="4"/>
+                <c:ptCount val="3"/>
                 <c:pt idx="0">
                   <c:v>Sprint 1</c:v>
                 </c:pt>
@@ -1453,29 +1467,23 @@
                 <c:pt idx="2">
                   <c:v>Sprint 3</c:v>
                 </c:pt>
-                <c:pt idx="3">
-                  <c:v>Sprint 4</c:v>
-                </c:pt>
               </c:strCache>
             </c:strRef>
           </c:cat>
           <c:val>
             <c:numRef>
-              <c:f>Folha1!$B$2:$B$5</c:f>
+              <c:f>Folha1!$B$2:$B$4</c:f>
               <c:numCache>
                 <c:formatCode>General</c:formatCode>
-                <c:ptCount val="4"/>
+                <c:ptCount val="3"/>
                 <c:pt idx="0">
-                  <c:v>4.3</c:v>
+                  <c:v>4</c:v>
                 </c:pt>
                 <c:pt idx="1">
-                  <c:v>2.5</c:v>
+                  <c:v>2.8</c:v>
                 </c:pt>
                 <c:pt idx="2">
-                  <c:v>3.5</c:v>
-                </c:pt>
-                <c:pt idx="3">
-                  <c:v>4.5</c:v>
+                  <c:v>2</c:v>
                 </c:pt>
               </c:numCache>
             </c:numRef>
@@ -1496,7 +1504,7 @@
               <c:strCache>
                 <c:ptCount val="1"/>
                 <c:pt idx="0">
-                  <c:v>Métrica 2</c:v>
+                  <c:v>Controle (máximo desvio padrão)</c:v>
                 </c:pt>
               </c:strCache>
             </c:strRef>
@@ -1515,9 +1523,9 @@
           </c:marker>
           <c:cat>
             <c:strRef>
-              <c:f>Folha1!$A$2:$A$5</c:f>
+              <c:f>Folha1!$A$2:$A$4</c:f>
               <c:strCache>
-                <c:ptCount val="4"/>
+                <c:ptCount val="3"/>
                 <c:pt idx="0">
                   <c:v>Sprint 1</c:v>
                 </c:pt>
@@ -1527,29 +1535,23 @@
                 <c:pt idx="2">
                   <c:v>Sprint 3</c:v>
                 </c:pt>
-                <c:pt idx="3">
-                  <c:v>Sprint 4</c:v>
-                </c:pt>
               </c:strCache>
             </c:strRef>
           </c:cat>
           <c:val>
             <c:numRef>
-              <c:f>Folha1!$C$2:$C$5</c:f>
+              <c:f>Folha1!$C$2:$C$4</c:f>
               <c:numCache>
                 <c:formatCode>General</c:formatCode>
-                <c:ptCount val="4"/>
+                <c:ptCount val="3"/>
                 <c:pt idx="0">
-                  <c:v>2.4</c:v>
+                  <c:v>2.6</c:v>
                 </c:pt>
                 <c:pt idx="1">
-                  <c:v>4.4000000000000004</c:v>
+                  <c:v>4.5</c:v>
                 </c:pt>
                 <c:pt idx="2">
-                  <c:v>1.8</c:v>
-                </c:pt>
-                <c:pt idx="3">
-                  <c:v>2.8</c:v>
+                  <c:v>2.4</c:v>
                 </c:pt>
               </c:numCache>
             </c:numRef>
@@ -1570,7 +1572,7 @@
               <c:strCache>
                 <c:ptCount val="1"/>
                 <c:pt idx="0">
-                  <c:v>Métrica 3</c:v>
+                  <c:v>Burnup</c:v>
                 </c:pt>
               </c:strCache>
             </c:strRef>
@@ -1591,9 +1593,9 @@
           </c:marker>
           <c:cat>
             <c:strRef>
-              <c:f>Folha1!$A$2:$A$5</c:f>
+              <c:f>Folha1!$A$2:$A$4</c:f>
               <c:strCache>
-                <c:ptCount val="4"/>
+                <c:ptCount val="3"/>
                 <c:pt idx="0">
                   <c:v>Sprint 1</c:v>
                 </c:pt>
@@ -1603,29 +1605,23 @@
                 <c:pt idx="2">
                   <c:v>Sprint 3</c:v>
                 </c:pt>
-                <c:pt idx="3">
-                  <c:v>Sprint 4</c:v>
-                </c:pt>
               </c:strCache>
             </c:strRef>
           </c:cat>
           <c:val>
             <c:numRef>
-              <c:f>Folha1!$D$2:$D$5</c:f>
+              <c:f>Folha1!$D$2:$D$4</c:f>
               <c:numCache>
                 <c:formatCode>General</c:formatCode>
-                <c:ptCount val="4"/>
+                <c:ptCount val="3"/>
                 <c:pt idx="0">
-                  <c:v>2</c:v>
+                  <c:v>1</c:v>
                 </c:pt>
                 <c:pt idx="1">
-                  <c:v>2</c:v>
+                  <c:v>0.61</c:v>
                 </c:pt>
                 <c:pt idx="2">
-                  <c:v>3</c:v>
-                </c:pt>
-                <c:pt idx="3">
-                  <c:v>5</c:v>
+                  <c:v>0.3</c:v>
                 </c:pt>
               </c:numCache>
             </c:numRef>
@@ -3991,7 +3987,7 @@
             <a:fld id="{5D8AA918-AAAF-A948-AD9D-7282A6CA6554}" type="datetimeFigureOut">
               <a:rPr lang="en-US" smtClean="0"/>
               <a:pPr/>
-              <a:t>1/4/2022</a:t>
+              <a:t>1/14/2022</a:t>
             </a:fld>
             <a:endParaRPr lang="pt-PT"/>
           </a:p>
@@ -4343,7 +4339,7 @@
             <a:fld id="{44B11A7A-C2E1-40A3-A304-BADFC0305F97}" type="datetimeFigureOut">
               <a:rPr lang="pt-PT" smtClean="0"/>
               <a:pPr/>
-              <a:t>04/01/2022</a:t>
+              <a:t>14/01/2022</a:t>
             </a:fld>
             <a:endParaRPr lang="pt-PT"/>
           </a:p>
@@ -4609,7 +4605,7 @@
             <a:fld id="{44B11A7A-C2E1-40A3-A304-BADFC0305F97}" type="datetimeFigureOut">
               <a:rPr lang="pt-PT" smtClean="0"/>
               <a:pPr/>
-              <a:t>04/01/2022</a:t>
+              <a:t>14/01/2022</a:t>
             </a:fld>
             <a:endParaRPr lang="pt-PT"/>
           </a:p>
@@ -4783,7 +4779,7 @@
             <a:fld id="{44B11A7A-C2E1-40A3-A304-BADFC0305F97}" type="datetimeFigureOut">
               <a:rPr lang="pt-PT" smtClean="0"/>
               <a:pPr/>
-              <a:t>04/01/2022</a:t>
+              <a:t>14/01/2022</a:t>
             </a:fld>
             <a:endParaRPr lang="pt-PT"/>
           </a:p>
@@ -4993,7 +4989,7 @@
             <a:fld id="{44B11A7A-C2E1-40A3-A304-BADFC0305F97}" type="datetimeFigureOut">
               <a:rPr lang="pt-PT" smtClean="0"/>
               <a:pPr/>
-              <a:t>04/01/2022</a:t>
+              <a:t>14/01/2022</a:t>
             </a:fld>
             <a:endParaRPr lang="pt-PT"/>
           </a:p>
@@ -5344,7 +5340,7 @@
             <a:fld id="{44B11A7A-C2E1-40A3-A304-BADFC0305F97}" type="datetimeFigureOut">
               <a:rPr lang="pt-PT" smtClean="0"/>
               <a:pPr/>
-              <a:t>04/01/2022</a:t>
+              <a:t>14/01/2022</a:t>
             </a:fld>
             <a:endParaRPr lang="pt-PT"/>
           </a:p>
@@ -5439,7 +5435,7 @@
             <a:fld id="{44B11A7A-C2E1-40A3-A304-BADFC0305F97}" type="datetimeFigureOut">
               <a:rPr lang="pt-PT" smtClean="0"/>
               <a:pPr/>
-              <a:t>04/01/2022</a:t>
+              <a:t>14/01/2022</a:t>
             </a:fld>
             <a:endParaRPr lang="pt-PT"/>
           </a:p>
@@ -5805,7 +5801,7 @@
             <a:fld id="{44B11A7A-C2E1-40A3-A304-BADFC0305F97}" type="datetimeFigureOut">
               <a:rPr lang="pt-PT" smtClean="0"/>
               <a:pPr/>
-              <a:t>04/01/2022</a:t>
+              <a:t>14/01/2022</a:t>
             </a:fld>
             <a:endParaRPr lang="pt-PT"/>
           </a:p>
@@ -5930,7 +5926,7 @@
             <a:fld id="{44B11A7A-C2E1-40A3-A304-BADFC0305F97}" type="datetimeFigureOut">
               <a:rPr lang="pt-PT" smtClean="0"/>
               <a:pPr/>
-              <a:t>04/01/2022</a:t>
+              <a:t>14/01/2022</a:t>
             </a:fld>
             <a:endParaRPr lang="pt-PT"/>
           </a:p>
@@ -6014,7 +6010,7 @@
             <a:fld id="{44B11A7A-C2E1-40A3-A304-BADFC0305F97}" type="datetimeFigureOut">
               <a:rPr lang="pt-PT" smtClean="0"/>
               <a:pPr/>
-              <a:t>04/01/2022</a:t>
+              <a:t>14/01/2022</a:t>
             </a:fld>
             <a:endParaRPr lang="pt-PT"/>
           </a:p>
@@ -7148,7 +7144,7 @@
           <a:lstStyle/>
           <a:p>
             <a:r>
-              <a:rPr lang="en-US" u="sng">
+              <a:rPr lang="en-US" u="sng" dirty="0">
                 <a:solidFill>
                   <a:schemeClr val="tx1"/>
                 </a:solidFill>
@@ -7161,7 +7157,56 @@
               <a:buFont typeface="Arial" panose="020B0604020202020204" pitchFamily="34" charset="0"/>
               <a:buChar char="•"/>
             </a:pPr>
-            <a:endParaRPr lang="en-US" sz="1400">
+            <a:r>
+              <a:rPr lang="en-US" sz="1400" b="0" i="0" dirty="0">
+                <a:solidFill>
+                  <a:srgbClr val="171717"/>
+                </a:solidFill>
+                <a:effectLst/>
+                <a:latin typeface="Lato" panose="020B0604020202020204" pitchFamily="34" charset="0"/>
+              </a:rPr>
+              <a:t>Try timeboxing of 2 minutes per person in the daily meeting until the next sprint retrospective</a:t>
+            </a:r>
+          </a:p>
+          <a:p>
+            <a:pPr marL="285750" indent="-285750">
+              <a:buFont typeface="Arial" panose="020B0604020202020204" pitchFamily="34" charset="0"/>
+              <a:buChar char="•"/>
+            </a:pPr>
+            <a:r>
+              <a:rPr lang="en-US" sz="1400" dirty="0">
+                <a:solidFill>
+                  <a:srgbClr val="171717"/>
+                </a:solidFill>
+                <a:latin typeface="Lato" panose="020B0604020202020204" pitchFamily="34" charset="0"/>
+              </a:rPr>
+              <a:t>Find more accurate ways to estimate the issues</a:t>
+            </a:r>
+          </a:p>
+          <a:p>
+            <a:pPr marL="285750" indent="-285750">
+              <a:buFont typeface="Arial" panose="020B0604020202020204" pitchFamily="34" charset="0"/>
+              <a:buChar char="•"/>
+            </a:pPr>
+            <a:r>
+              <a:rPr lang="en-US" sz="1400" dirty="0">
+                <a:solidFill>
+                  <a:srgbClr val="171717"/>
+                </a:solidFill>
+                <a:latin typeface="Lato" panose="020B0604020202020204" pitchFamily="34" charset="0"/>
+              </a:rPr>
+              <a:t>Try to avoid </a:t>
+            </a:r>
+            <a:r>
+              <a:rPr lang="en-US" sz="1400">
+                <a:solidFill>
+                  <a:srgbClr val="171717"/>
+                </a:solidFill>
+                <a:latin typeface="Lato" panose="020B0604020202020204" pitchFamily="34" charset="0"/>
+              </a:rPr>
+              <a:t>unnecessary meetings</a:t>
+            </a:r>
+            <a:endParaRPr lang="en-US" sz="1400" dirty="0">
               <a:solidFill>
                 <a:schemeClr val="tx1"/>
               </a:solidFill>
@@ -7172,7 +7217,7 @@
               <a:buFont typeface="Arial" panose="020B0604020202020204" pitchFamily="34" charset="0"/>
               <a:buChar char="•"/>
             </a:pPr>
-            <a:endParaRPr lang="en-US" sz="1400">
+            <a:endParaRPr lang="en-US" sz="1400" dirty="0">
               <a:solidFill>
                 <a:schemeClr val="tx1"/>
               </a:solidFill>
@@ -7262,7 +7307,7 @@
             <p:ph idx="1"/>
             <p:extLst>
               <p:ext uri="{D42A27DB-BD31-4B8C-83A1-F6EECF244321}">
-                <p14:modId xmlns:p14="http://schemas.microsoft.com/office/powerpoint/2010/main" val="2298813611"/>
+                <p14:modId xmlns:p14="http://schemas.microsoft.com/office/powerpoint/2010/main" val="2142672089"/>
               </p:ext>
             </p:extLst>
           </p:nvPr>
@@ -20113,31 +20158,7 @@
                   <a:schemeClr val="tx1"/>
                 </a:solidFill>
               </a:rPr>
-              <a:t>Sprint </a:t>
-            </a:r>
-            <a:r>
-              <a:rPr lang="pt-PT" sz="3200" cap="none" dirty="0" err="1">
-                <a:solidFill>
-                  <a:schemeClr val="tx1"/>
-                </a:solidFill>
-              </a:rPr>
-              <a:t>Burndown</a:t>
-            </a:r>
-            <a:r>
-              <a:rPr lang="pt-PT" sz="3200" cap="none" dirty="0">
-                <a:solidFill>
-                  <a:schemeClr val="tx1"/>
-                </a:solidFill>
-              </a:rPr>
-              <a:t> </a:t>
-            </a:r>
-            <a:r>
-              <a:rPr lang="pt-PT" sz="3200" cap="none" dirty="0" err="1">
-                <a:solidFill>
-                  <a:schemeClr val="tx1"/>
-                </a:solidFill>
-              </a:rPr>
-              <a:t>Chart</a:t>
+              <a:t>Sprint 3 - Burndown Chart</a:t>
             </a:r>
             <a:endParaRPr lang="pt-PT" sz="3200" cap="none" dirty="0"/>
           </a:p>
@@ -20204,7 +20225,7 @@
           <p:nvPr>
             <p:extLst>
               <p:ext uri="{D42A27DB-BD31-4B8C-83A1-F6EECF244321}">
-                <p14:modId xmlns:p14="http://schemas.microsoft.com/office/powerpoint/2010/main" val="4040836741"/>
+                <p14:modId xmlns:p14="http://schemas.microsoft.com/office/powerpoint/2010/main" val="3772211633"/>
               </p:ext>
             </p:extLst>
           </p:nvPr>
@@ -21000,15 +21021,6 @@
 </file>
 
 <file path=customXml/item2.xml><?xml version="1.0" encoding="utf-8"?>
-<?mso-contentType ?>
-<FormTemplates xmlns="http://schemas.microsoft.com/sharepoint/v3/contenttype/forms">
-  <Display>DocumentLibraryForm</Display>
-  <Edit>DocumentLibraryForm</Edit>
-  <New>DocumentLibraryForm</New>
-</FormTemplates>
-</file>
-
-<file path=customXml/item3.xml><?xml version="1.0" encoding="utf-8"?>
 <ct:contentTypeSchema xmlns:ct="http://schemas.microsoft.com/office/2006/metadata/contentType" xmlns:ma="http://schemas.microsoft.com/office/2006/metadata/properties/metaAttributes" ct:_="" ma:_="" ma:contentTypeName="Document" ma:contentTypeID="0x0101005836243B3C47804EAF5FFDD9F066FCC7" ma:contentTypeVersion="2" ma:contentTypeDescription="Create a new document." ma:contentTypeScope="" ma:versionID="0469372245184f18195408053fbf9b6d">
   <xsd:schema xmlns:xsd="http://www.w3.org/2001/XMLSchema" xmlns:xs="http://www.w3.org/2001/XMLSchema" xmlns:p="http://schemas.microsoft.com/office/2006/metadata/properties" xmlns:ns2="a1e3ca88-8ae5-4fd0-ba37-40ce669fcbb0" targetNamespace="http://schemas.microsoft.com/office/2006/metadata/properties" ma:root="true" ma:fieldsID="15cd5fdf54d7c5df31b4840e959455b1" ns2:_="">
     <xsd:import namespace="a1e3ca88-8ae5-4fd0-ba37-40ce669fcbb0"/>
@@ -21140,6 +21152,15 @@
 </ct:contentTypeSchema>
 </file>
 
+<file path=customXml/item3.xml><?xml version="1.0" encoding="utf-8"?>
+<?mso-contentType ?>
+<FormTemplates xmlns="http://schemas.microsoft.com/sharepoint/v3/contenttype/forms">
+  <Display>DocumentLibraryForm</Display>
+  <Edit>DocumentLibraryForm</Edit>
+  <New>DocumentLibraryForm</New>
+</FormTemplates>
+</file>
+
 <file path=customXml/itemProps1.xml><?xml version="1.0" encoding="utf-8"?>
 <ds:datastoreItem xmlns:ds="http://schemas.openxmlformats.org/officeDocument/2006/customXml" ds:itemID="{E9B87164-EF5F-43C8-917E-48B38ACAFD1E}">
   <ds:schemaRefs>
@@ -21157,14 +21178,6 @@
 </file>
 
 <file path=customXml/itemProps2.xml><?xml version="1.0" encoding="utf-8"?>
-<ds:datastoreItem xmlns:ds="http://schemas.openxmlformats.org/officeDocument/2006/customXml" ds:itemID="{4F984168-AABC-4753-B4EC-59CA9D08839F}">
-  <ds:schemaRefs>
-    <ds:schemaRef ds:uri="http://schemas.microsoft.com/sharepoint/v3/contenttype/forms"/>
-  </ds:schemaRefs>
-</ds:datastoreItem>
-</file>
-
-<file path=customXml/itemProps3.xml><?xml version="1.0" encoding="utf-8"?>
 <ds:datastoreItem xmlns:ds="http://schemas.openxmlformats.org/officeDocument/2006/customXml" ds:itemID="{2092E48C-C6FF-44AE-8C78-D9681B66D30B}">
   <ds:schemaRefs>
     <ds:schemaRef ds:uri="http://schemas.microsoft.com/office/2006/metadata/contentType"/>
@@ -21180,4 +21193,12 @@
     <ds:schemaRef ds:uri="http://schemas.microsoft.com/internal/obd"/>
   </ds:schemaRefs>
 </ds:datastoreItem>
+</file>
+
+<file path=customXml/itemProps3.xml><?xml version="1.0" encoding="utf-8"?>
+<ds:datastoreItem xmlns:ds="http://schemas.openxmlformats.org/officeDocument/2006/customXml" ds:itemID="{4F984168-AABC-4753-B4EC-59CA9D08839F}">
+  <ds:schemaRefs>
+    <ds:schemaRef ds:uri="http://schemas.microsoft.com/sharepoint/v3/contenttype/forms"/>
+  </ds:schemaRefs>
+</ds:datastoreItem>
 </file>